--- a/DS LAB 2.pptx
+++ b/DS LAB 2.pptx
@@ -5,10 +5,10 @@
     <p:sldMasterId id="2147483648" r:id="rId4"/>
   </p:sldMasterIdLst>
   <p:notesMasterIdLst>
-    <p:notesMasterId r:id="rId34"/>
+    <p:notesMasterId r:id="rId28"/>
   </p:notesMasterIdLst>
   <p:handoutMasterIdLst>
-    <p:handoutMasterId r:id="rId35"/>
+    <p:handoutMasterId r:id="rId29"/>
   </p:handoutMasterIdLst>
   <p:sldIdLst>
     <p:sldId id="256" r:id="rId5"/>
@@ -19,27 +19,21 @@
     <p:sldId id="261" r:id="rId10"/>
     <p:sldId id="262" r:id="rId11"/>
     <p:sldId id="263" r:id="rId12"/>
-    <p:sldId id="264" r:id="rId13"/>
-    <p:sldId id="265" r:id="rId14"/>
-    <p:sldId id="266" r:id="rId15"/>
-    <p:sldId id="269" r:id="rId16"/>
-    <p:sldId id="267" r:id="rId17"/>
-    <p:sldId id="268" r:id="rId18"/>
-    <p:sldId id="270" r:id="rId19"/>
-    <p:sldId id="271" r:id="rId20"/>
-    <p:sldId id="272" r:id="rId21"/>
-    <p:sldId id="273" r:id="rId22"/>
-    <p:sldId id="274" r:id="rId23"/>
-    <p:sldId id="275" r:id="rId24"/>
-    <p:sldId id="276" r:id="rId25"/>
-    <p:sldId id="277" r:id="rId26"/>
-    <p:sldId id="278" r:id="rId27"/>
-    <p:sldId id="279" r:id="rId28"/>
-    <p:sldId id="280" r:id="rId29"/>
-    <p:sldId id="281" r:id="rId30"/>
-    <p:sldId id="282" r:id="rId31"/>
-    <p:sldId id="283" r:id="rId32"/>
-    <p:sldId id="284" r:id="rId33"/>
+    <p:sldId id="270" r:id="rId13"/>
+    <p:sldId id="271" r:id="rId14"/>
+    <p:sldId id="272" r:id="rId15"/>
+    <p:sldId id="273" r:id="rId16"/>
+    <p:sldId id="274" r:id="rId17"/>
+    <p:sldId id="275" r:id="rId18"/>
+    <p:sldId id="276" r:id="rId19"/>
+    <p:sldId id="277" r:id="rId20"/>
+    <p:sldId id="278" r:id="rId21"/>
+    <p:sldId id="279" r:id="rId22"/>
+    <p:sldId id="280" r:id="rId23"/>
+    <p:sldId id="281" r:id="rId24"/>
+    <p:sldId id="282" r:id="rId25"/>
+    <p:sldId id="283" r:id="rId26"/>
+    <p:sldId id="284" r:id="rId27"/>
   </p:sldIdLst>
   <p:sldSz cx="12192000" cy="6858000"/>
   <p:notesSz cx="6858000" cy="9144000"/>
@@ -140,10 +134,10 @@
   </p:defaultTextStyle>
   <p:extLst>
     <p:ext uri="{EFAFB233-063F-42B5-8137-9DF3F51BA10A}">
-      <p15:sldGuideLst xmlns:p15="http://schemas.microsoft.com/office/powerpoint/2012/main" xmlns=""/>
+      <p15:sldGuideLst xmlns="" xmlns:p15="http://schemas.microsoft.com/office/powerpoint/2012/main"/>
     </p:ext>
     <p:ext uri="{2D200454-40CA-4A62-9FC3-DE9A4176ACB9}">
-      <p15:notesGuideLst xmlns:p15="http://schemas.microsoft.com/office/powerpoint/2012/main" xmlns=""/>
+      <p15:notesGuideLst xmlns="" xmlns:p15="http://schemas.microsoft.com/office/powerpoint/2012/main"/>
     </p:ext>
   </p:extLst>
 </p:presentation>
@@ -188,7 +182,7 @@
           <p:cNvPr id="2" name="Header Placeholder 1">
             <a:extLst>
               <a:ext uri="{FF2B5EF4-FFF2-40B4-BE49-F238E27FC236}">
-                <a16:creationId xmlns:a16="http://schemas.microsoft.com/office/drawing/2014/main" xmlns="" id="{7FB8B65A-D69F-C26C-B67E-036EF77BF1FA}"/>
+                <a16:creationId xmlns="" xmlns:a16="http://schemas.microsoft.com/office/drawing/2014/main" id="{7FB8B65A-D69F-C26C-B67E-036EF77BF1FA}"/>
               </a:ext>
             </a:extLst>
           </p:cNvPr>
@@ -225,7 +219,7 @@
           <p:cNvPr id="3" name="Date Placeholder 2">
             <a:extLst>
               <a:ext uri="{FF2B5EF4-FFF2-40B4-BE49-F238E27FC236}">
-                <a16:creationId xmlns:a16="http://schemas.microsoft.com/office/drawing/2014/main" xmlns="" id="{652B9064-AE57-427F-E5AF-71DE7D52FE6E}"/>
+                <a16:creationId xmlns="" xmlns:a16="http://schemas.microsoft.com/office/drawing/2014/main" id="{652B9064-AE57-427F-E5AF-71DE7D52FE6E}"/>
               </a:ext>
             </a:extLst>
           </p:cNvPr>
@@ -266,7 +260,7 @@
           <p:cNvPr id="4" name="Footer Placeholder 3">
             <a:extLst>
               <a:ext uri="{FF2B5EF4-FFF2-40B4-BE49-F238E27FC236}">
-                <a16:creationId xmlns:a16="http://schemas.microsoft.com/office/drawing/2014/main" xmlns="" id="{8186157A-CEB9-B0FC-3A49-BE950AEAD6F3}"/>
+                <a16:creationId xmlns="" xmlns:a16="http://schemas.microsoft.com/office/drawing/2014/main" id="{8186157A-CEB9-B0FC-3A49-BE950AEAD6F3}"/>
               </a:ext>
             </a:extLst>
           </p:cNvPr>
@@ -303,7 +297,7 @@
           <p:cNvPr id="5" name="Slide Number Placeholder 4">
             <a:extLst>
               <a:ext uri="{FF2B5EF4-FFF2-40B4-BE49-F238E27FC236}">
-                <a16:creationId xmlns:a16="http://schemas.microsoft.com/office/drawing/2014/main" xmlns="" id="{E0819CA0-A57D-42D7-A625-56C22D0FA7C6}"/>
+                <a16:creationId xmlns="" xmlns:a16="http://schemas.microsoft.com/office/drawing/2014/main" id="{E0819CA0-A57D-42D7-A625-56C22D0FA7C6}"/>
               </a:ext>
             </a:extLst>
           </p:cNvPr>
@@ -805,10 +799,10 @@
           <p:cNvPr id="4" name="Rectangle 3">
             <a:extLst>
               <a:ext uri="{FF2B5EF4-FFF2-40B4-BE49-F238E27FC236}">
-                <a16:creationId xmlns:a16="http://schemas.microsoft.com/office/drawing/2014/main" xmlns="" id="{9AC79249-FDC0-364D-A734-AE1DE1605D28}"/>
+                <a16:creationId xmlns="" xmlns:a16="http://schemas.microsoft.com/office/drawing/2014/main" id="{9AC79249-FDC0-364D-A734-AE1DE1605D28}"/>
               </a:ext>
               <a:ext uri="{C183D7F6-B498-43B3-948B-1728B52AA6E4}">
-                <adec:decorative xmlns:adec="http://schemas.microsoft.com/office/drawing/2017/decorative" xmlns="" val="1"/>
+                <adec:decorative xmlns="" xmlns:adec="http://schemas.microsoft.com/office/drawing/2017/decorative" val="1"/>
               </a:ext>
             </a:extLst>
           </p:cNvPr>
@@ -860,10 +854,10 @@
           <p:cNvPr id="7" name="Group 6">
             <a:extLst>
               <a:ext uri="{FF2B5EF4-FFF2-40B4-BE49-F238E27FC236}">
-                <a16:creationId xmlns:a16="http://schemas.microsoft.com/office/drawing/2014/main" xmlns="" id="{13537B6D-42A5-F449-2691-321A167F7C08}"/>
+                <a16:creationId xmlns="" xmlns:a16="http://schemas.microsoft.com/office/drawing/2014/main" id="{13537B6D-42A5-F449-2691-321A167F7C08}"/>
               </a:ext>
               <a:ext uri="{C183D7F6-B498-43B3-948B-1728B52AA6E4}">
-                <adec:decorative xmlns:adec="http://schemas.microsoft.com/office/drawing/2017/decorative" xmlns="" val="1"/>
+                <adec:decorative xmlns="" xmlns:adec="http://schemas.microsoft.com/office/drawing/2017/decorative" val="1"/>
               </a:ext>
             </a:extLst>
           </p:cNvPr>
@@ -883,7 +877,7 @@
             <p:cNvPr id="5" name="Oval 4">
               <a:extLst>
                 <a:ext uri="{FF2B5EF4-FFF2-40B4-BE49-F238E27FC236}">
-                  <a16:creationId xmlns:a16="http://schemas.microsoft.com/office/drawing/2014/main" xmlns="" id="{902465C8-266D-104C-9C49-323DF4A8277E}"/>
+                  <a16:creationId xmlns="" xmlns:a16="http://schemas.microsoft.com/office/drawing/2014/main" id="{902465C8-266D-104C-9C49-323DF4A8277E}"/>
                 </a:ext>
               </a:extLst>
             </p:cNvPr>
@@ -932,7 +926,7 @@
             <p:cNvPr id="11" name="Freeform 10">
               <a:extLst>
                 <a:ext uri="{FF2B5EF4-FFF2-40B4-BE49-F238E27FC236}">
-                  <a16:creationId xmlns:a16="http://schemas.microsoft.com/office/drawing/2014/main" xmlns="" id="{37979A1C-BF60-B345-A664-2E4F7A3461EB}"/>
+                  <a16:creationId xmlns="" xmlns:a16="http://schemas.microsoft.com/office/drawing/2014/main" id="{37979A1C-BF60-B345-A664-2E4F7A3461EB}"/>
                 </a:ext>
               </a:extLst>
             </p:cNvPr>
@@ -1031,7 +1025,7 @@
             <p:cNvPr id="9" name="Freeform 8">
               <a:extLst>
                 <a:ext uri="{FF2B5EF4-FFF2-40B4-BE49-F238E27FC236}">
-                  <a16:creationId xmlns:a16="http://schemas.microsoft.com/office/drawing/2014/main" xmlns="" id="{58080B3E-915C-2D4C-8608-596E1BFD6387}"/>
+                  <a16:creationId xmlns="" xmlns:a16="http://schemas.microsoft.com/office/drawing/2014/main" id="{58080B3E-915C-2D4C-8608-596E1BFD6387}"/>
                 </a:ext>
               </a:extLst>
             </p:cNvPr>
@@ -1130,7 +1124,7 @@
             <p:cNvPr id="6" name="Group 5">
               <a:extLst>
                 <a:ext uri="{FF2B5EF4-FFF2-40B4-BE49-F238E27FC236}">
-                  <a16:creationId xmlns:a16="http://schemas.microsoft.com/office/drawing/2014/main" xmlns="" id="{F15FBB50-09C8-B64E-AE57-67C5E70810CB}"/>
+                  <a16:creationId xmlns="" xmlns:a16="http://schemas.microsoft.com/office/drawing/2014/main" id="{F15FBB50-09C8-B64E-AE57-67C5E70810CB}"/>
                 </a:ext>
               </a:extLst>
             </p:cNvPr>
@@ -1150,7 +1144,7 @@
               <p:cNvPr id="15" name="Freeform 14">
                 <a:extLst>
                   <a:ext uri="{FF2B5EF4-FFF2-40B4-BE49-F238E27FC236}">
-                    <a16:creationId xmlns:a16="http://schemas.microsoft.com/office/drawing/2014/main" xmlns="" id="{EFBF1E52-11FA-DC48-B7AD-75734232FFE8}"/>
+                    <a16:creationId xmlns="" xmlns:a16="http://schemas.microsoft.com/office/drawing/2014/main" id="{EFBF1E52-11FA-DC48-B7AD-75734232FFE8}"/>
                   </a:ext>
                 </a:extLst>
               </p:cNvPr>
@@ -1275,7 +1269,7 @@
               <p:cNvPr id="16" name="Freeform 15">
                 <a:extLst>
                   <a:ext uri="{FF2B5EF4-FFF2-40B4-BE49-F238E27FC236}">
-                    <a16:creationId xmlns:a16="http://schemas.microsoft.com/office/drawing/2014/main" xmlns="" id="{4850B620-49F5-3748-84AF-682555D52792}"/>
+                    <a16:creationId xmlns="" xmlns:a16="http://schemas.microsoft.com/office/drawing/2014/main" id="{4850B620-49F5-3748-84AF-682555D52792}"/>
                   </a:ext>
                 </a:extLst>
               </p:cNvPr>
@@ -1401,7 +1395,7 @@
             <p:cNvPr id="22" name="Freeform 21">
               <a:extLst>
                 <a:ext uri="{FF2B5EF4-FFF2-40B4-BE49-F238E27FC236}">
-                  <a16:creationId xmlns:a16="http://schemas.microsoft.com/office/drawing/2014/main" xmlns="" id="{BC68F289-2744-2F48-893A-3F17911625C8}"/>
+                  <a16:creationId xmlns="" xmlns:a16="http://schemas.microsoft.com/office/drawing/2014/main" id="{BC68F289-2744-2F48-893A-3F17911625C8}"/>
                 </a:ext>
               </a:extLst>
             </p:cNvPr>
@@ -1500,7 +1494,7 @@
             <p:cNvPr id="28" name="Freeform 27">
               <a:extLst>
                 <a:ext uri="{FF2B5EF4-FFF2-40B4-BE49-F238E27FC236}">
-                  <a16:creationId xmlns:a16="http://schemas.microsoft.com/office/drawing/2014/main" xmlns="" id="{9E240E8A-950E-7946-826C-415CB5DACA43}"/>
+                  <a16:creationId xmlns="" xmlns:a16="http://schemas.microsoft.com/office/drawing/2014/main" id="{9E240E8A-950E-7946-826C-415CB5DACA43}"/>
                 </a:ext>
               </a:extLst>
             </p:cNvPr>
@@ -1653,7 +1647,7 @@
           <p:cNvPr id="2" name="Title 1">
             <a:extLst>
               <a:ext uri="{FF2B5EF4-FFF2-40B4-BE49-F238E27FC236}">
-                <a16:creationId xmlns:a16="http://schemas.microsoft.com/office/drawing/2014/main" xmlns="" id="{494248F2-5264-4601-AA0B-6C092F77F2DD}"/>
+                <a16:creationId xmlns="" xmlns:a16="http://schemas.microsoft.com/office/drawing/2014/main" id="{494248F2-5264-4601-AA0B-6C092F77F2DD}"/>
               </a:ext>
             </a:extLst>
           </p:cNvPr>
@@ -1724,10 +1718,10 @@
           <p:cNvPr id="13" name="Group 12">
             <a:extLst>
               <a:ext uri="{FF2B5EF4-FFF2-40B4-BE49-F238E27FC236}">
-                <a16:creationId xmlns:a16="http://schemas.microsoft.com/office/drawing/2014/main" xmlns="" id="{AC10D125-AB73-D276-4947-94204736A30D}"/>
+                <a16:creationId xmlns="" xmlns:a16="http://schemas.microsoft.com/office/drawing/2014/main" id="{AC10D125-AB73-D276-4947-94204736A30D}"/>
               </a:ext>
               <a:ext uri="{C183D7F6-B498-43B3-948B-1728B52AA6E4}">
-                <adec:decorative xmlns:adec="http://schemas.microsoft.com/office/drawing/2017/decorative" xmlns="" val="1"/>
+                <adec:decorative xmlns="" xmlns:adec="http://schemas.microsoft.com/office/drawing/2017/decorative" val="1"/>
               </a:ext>
             </a:extLst>
           </p:cNvPr>
@@ -1747,10 +1741,10 @@
             <p:cNvPr id="4" name="Freeform 3">
               <a:extLst>
                 <a:ext uri="{FF2B5EF4-FFF2-40B4-BE49-F238E27FC236}">
-                  <a16:creationId xmlns:a16="http://schemas.microsoft.com/office/drawing/2014/main" xmlns="" id="{6A7F6A3F-E1DD-A246-9A6D-5F9B18BA2588}"/>
+                  <a16:creationId xmlns="" xmlns:a16="http://schemas.microsoft.com/office/drawing/2014/main" id="{6A7F6A3F-E1DD-A246-9A6D-5F9B18BA2588}"/>
                 </a:ext>
                 <a:ext uri="{C183D7F6-B498-43B3-948B-1728B52AA6E4}">
-                  <adec:decorative xmlns:adec="http://schemas.microsoft.com/office/drawing/2017/decorative" xmlns="" val="1"/>
+                  <adec:decorative xmlns="" xmlns:adec="http://schemas.microsoft.com/office/drawing/2017/decorative" val="1"/>
                 </a:ext>
               </a:extLst>
             </p:cNvPr>
@@ -1849,10 +1843,10 @@
             <p:cNvPr id="5" name="Freeform 4">
               <a:extLst>
                 <a:ext uri="{FF2B5EF4-FFF2-40B4-BE49-F238E27FC236}">
-                  <a16:creationId xmlns:a16="http://schemas.microsoft.com/office/drawing/2014/main" xmlns="" id="{055FD0FC-C8FF-6741-A364-A29CDC6F9495}"/>
+                  <a16:creationId xmlns="" xmlns:a16="http://schemas.microsoft.com/office/drawing/2014/main" id="{055FD0FC-C8FF-6741-A364-A29CDC6F9495}"/>
                 </a:ext>
                 <a:ext uri="{C183D7F6-B498-43B3-948B-1728B52AA6E4}">
-                  <adec:decorative xmlns:adec="http://schemas.microsoft.com/office/drawing/2017/decorative" xmlns="" val="1"/>
+                  <adec:decorative xmlns="" xmlns:adec="http://schemas.microsoft.com/office/drawing/2017/decorative" val="1"/>
                 </a:ext>
               </a:extLst>
             </p:cNvPr>
@@ -1953,10 +1947,10 @@
             <p:cNvPr id="6" name="Freeform 5">
               <a:extLst>
                 <a:ext uri="{FF2B5EF4-FFF2-40B4-BE49-F238E27FC236}">
-                  <a16:creationId xmlns:a16="http://schemas.microsoft.com/office/drawing/2014/main" xmlns="" id="{D11C9832-A021-954E-A34F-2988D1189AE9}"/>
+                  <a16:creationId xmlns="" xmlns:a16="http://schemas.microsoft.com/office/drawing/2014/main" id="{D11C9832-A021-954E-A34F-2988D1189AE9}"/>
                 </a:ext>
                 <a:ext uri="{C183D7F6-B498-43B3-948B-1728B52AA6E4}">
-                  <adec:decorative xmlns:adec="http://schemas.microsoft.com/office/drawing/2017/decorative" xmlns="" val="1"/>
+                  <adec:decorative xmlns="" xmlns:adec="http://schemas.microsoft.com/office/drawing/2017/decorative" val="1"/>
                 </a:ext>
               </a:extLst>
             </p:cNvPr>
@@ -2055,10 +2049,10 @@
             <p:cNvPr id="9" name="Group 8">
               <a:extLst>
                 <a:ext uri="{FF2B5EF4-FFF2-40B4-BE49-F238E27FC236}">
-                  <a16:creationId xmlns:a16="http://schemas.microsoft.com/office/drawing/2014/main" xmlns="" id="{9861BC34-DFBF-2D4F-B463-FCFBC08391FF}"/>
+                  <a16:creationId xmlns="" xmlns:a16="http://schemas.microsoft.com/office/drawing/2014/main" id="{9861BC34-DFBF-2D4F-B463-FCFBC08391FF}"/>
                 </a:ext>
                 <a:ext uri="{C183D7F6-B498-43B3-948B-1728B52AA6E4}">
-                  <adec:decorative xmlns:adec="http://schemas.microsoft.com/office/drawing/2017/decorative" xmlns="" val="1"/>
+                  <adec:decorative xmlns="" xmlns:adec="http://schemas.microsoft.com/office/drawing/2017/decorative" val="1"/>
                 </a:ext>
               </a:extLst>
             </p:cNvPr>
@@ -2078,7 +2072,7 @@
               <p:cNvPr id="7" name="Freeform 6">
                 <a:extLst>
                   <a:ext uri="{FF2B5EF4-FFF2-40B4-BE49-F238E27FC236}">
-                    <a16:creationId xmlns:a16="http://schemas.microsoft.com/office/drawing/2014/main" xmlns="" id="{55C37C19-F268-4A43-A0D4-3B1B38D48952}"/>
+                    <a16:creationId xmlns="" xmlns:a16="http://schemas.microsoft.com/office/drawing/2014/main" id="{55C37C19-F268-4A43-A0D4-3B1B38D48952}"/>
                   </a:ext>
                 </a:extLst>
               </p:cNvPr>
@@ -2205,7 +2199,7 @@
               <p:cNvPr id="8" name="Freeform 7">
                 <a:extLst>
                   <a:ext uri="{FF2B5EF4-FFF2-40B4-BE49-F238E27FC236}">
-                    <a16:creationId xmlns:a16="http://schemas.microsoft.com/office/drawing/2014/main" xmlns="" id="{E4F760E5-9D5D-E44F-AEBF-20CA8DE87D11}"/>
+                    <a16:creationId xmlns="" xmlns:a16="http://schemas.microsoft.com/office/drawing/2014/main" id="{E4F760E5-9D5D-E44F-AEBF-20CA8DE87D11}"/>
                   </a:ext>
                 </a:extLst>
               </p:cNvPr>
@@ -2334,7 +2328,7 @@
           <p:cNvPr id="2" name="Title 1">
             <a:extLst>
               <a:ext uri="{FF2B5EF4-FFF2-40B4-BE49-F238E27FC236}">
-                <a16:creationId xmlns:a16="http://schemas.microsoft.com/office/drawing/2014/main" xmlns="" id="{3CD97974-B93C-4C96-B3F6-F69E3D6DE6CA}"/>
+                <a16:creationId xmlns="" xmlns:a16="http://schemas.microsoft.com/office/drawing/2014/main" id="{3CD97974-B93C-4C96-B3F6-F69E3D6DE6CA}"/>
               </a:ext>
             </a:extLst>
           </p:cNvPr>
@@ -2375,7 +2369,7 @@
           <p:cNvPr id="3" name="Content Placeholder 2">
             <a:extLst>
               <a:ext uri="{FF2B5EF4-FFF2-40B4-BE49-F238E27FC236}">
-                <a16:creationId xmlns:a16="http://schemas.microsoft.com/office/drawing/2014/main" xmlns="" id="{8A6FC6F2-80B4-49A7-9448-33FE2DF0E967}"/>
+                <a16:creationId xmlns="" xmlns:a16="http://schemas.microsoft.com/office/drawing/2014/main" id="{8A6FC6F2-80B4-49A7-9448-33FE2DF0E967}"/>
               </a:ext>
             </a:extLst>
           </p:cNvPr>
@@ -2470,7 +2464,7 @@
           <p:cNvPr id="10" name="Date Placeholder 3">
             <a:extLst>
               <a:ext uri="{FF2B5EF4-FFF2-40B4-BE49-F238E27FC236}">
-                <a16:creationId xmlns:a16="http://schemas.microsoft.com/office/drawing/2014/main" xmlns="" id="{7536C149-3EFE-A94E-902D-57CED00B2C0F}"/>
+                <a16:creationId xmlns="" xmlns:a16="http://schemas.microsoft.com/office/drawing/2014/main" id="{7536C149-3EFE-A94E-902D-57CED00B2C0F}"/>
               </a:ext>
             </a:extLst>
           </p:cNvPr>
@@ -2517,7 +2511,7 @@
           <p:cNvPr id="11" name="Footer Placeholder 4">
             <a:extLst>
               <a:ext uri="{FF2B5EF4-FFF2-40B4-BE49-F238E27FC236}">
-                <a16:creationId xmlns:a16="http://schemas.microsoft.com/office/drawing/2014/main" xmlns="" id="{53CA1E78-F17D-F34D-9F81-0DBF44F37894}"/>
+                <a16:creationId xmlns="" xmlns:a16="http://schemas.microsoft.com/office/drawing/2014/main" id="{53CA1E78-F17D-F34D-9F81-0DBF44F37894}"/>
               </a:ext>
             </a:extLst>
           </p:cNvPr>
@@ -2561,7 +2555,7 @@
           <p:cNvPr id="12" name="Slide Number Placeholder 5">
             <a:extLst>
               <a:ext uri="{FF2B5EF4-FFF2-40B4-BE49-F238E27FC236}">
-                <a16:creationId xmlns:a16="http://schemas.microsoft.com/office/drawing/2014/main" xmlns="" id="{1FE54918-A625-F64F-A42E-A427E9B2D489}"/>
+                <a16:creationId xmlns="" xmlns:a16="http://schemas.microsoft.com/office/drawing/2014/main" id="{1FE54918-A625-F64F-A42E-A427E9B2D489}"/>
               </a:ext>
             </a:extLst>
           </p:cNvPr>
@@ -2648,10 +2642,10 @@
           <p:cNvPr id="2" name="Group 1">
             <a:extLst>
               <a:ext uri="{FF2B5EF4-FFF2-40B4-BE49-F238E27FC236}">
-                <a16:creationId xmlns:a16="http://schemas.microsoft.com/office/drawing/2014/main" xmlns="" id="{CCEDB282-8288-C81F-52B5-048A3E80C931}"/>
+                <a16:creationId xmlns="" xmlns:a16="http://schemas.microsoft.com/office/drawing/2014/main" id="{CCEDB282-8288-C81F-52B5-048A3E80C931}"/>
               </a:ext>
               <a:ext uri="{C183D7F6-B498-43B3-948B-1728B52AA6E4}">
-                <adec:decorative xmlns:adec="http://schemas.microsoft.com/office/drawing/2017/decorative" xmlns="" val="1"/>
+                <adec:decorative xmlns="" xmlns:adec="http://schemas.microsoft.com/office/drawing/2017/decorative" val="1"/>
               </a:ext>
             </a:extLst>
           </p:cNvPr>
@@ -2671,7 +2665,7 @@
             <p:cNvPr id="7" name="Rectangle 6">
               <a:extLst>
                 <a:ext uri="{FF2B5EF4-FFF2-40B4-BE49-F238E27FC236}">
-                  <a16:creationId xmlns:a16="http://schemas.microsoft.com/office/drawing/2014/main" xmlns="" id="{2A62587F-7496-384A-AF40-18FC8CF0709D}"/>
+                  <a16:creationId xmlns="" xmlns:a16="http://schemas.microsoft.com/office/drawing/2014/main" id="{2A62587F-7496-384A-AF40-18FC8CF0709D}"/>
                 </a:ext>
               </a:extLst>
             </p:cNvPr>
@@ -2720,7 +2714,7 @@
             <p:cNvPr id="12" name="Freeform 11">
               <a:extLst>
                 <a:ext uri="{FF2B5EF4-FFF2-40B4-BE49-F238E27FC236}">
-                  <a16:creationId xmlns:a16="http://schemas.microsoft.com/office/drawing/2014/main" xmlns="" id="{84DB028B-A475-224B-B675-A15A56CAD0BF}"/>
+                  <a16:creationId xmlns="" xmlns:a16="http://schemas.microsoft.com/office/drawing/2014/main" id="{84DB028B-A475-224B-B675-A15A56CAD0BF}"/>
                 </a:ext>
               </a:extLst>
             </p:cNvPr>
@@ -2819,7 +2813,7 @@
             <p:cNvPr id="14" name="Freeform 13">
               <a:extLst>
                 <a:ext uri="{FF2B5EF4-FFF2-40B4-BE49-F238E27FC236}">
-                  <a16:creationId xmlns:a16="http://schemas.microsoft.com/office/drawing/2014/main" xmlns="" id="{61C34955-105B-4D4D-B51D-754C5D38A85D}"/>
+                  <a16:creationId xmlns="" xmlns:a16="http://schemas.microsoft.com/office/drawing/2014/main" id="{61C34955-105B-4D4D-B51D-754C5D38A85D}"/>
                 </a:ext>
               </a:extLst>
             </p:cNvPr>
@@ -2918,7 +2912,7 @@
             <p:cNvPr id="15" name="Freeform 14">
               <a:extLst>
                 <a:ext uri="{FF2B5EF4-FFF2-40B4-BE49-F238E27FC236}">
-                  <a16:creationId xmlns:a16="http://schemas.microsoft.com/office/drawing/2014/main" xmlns="" id="{2734DEB1-EC02-2E42-9292-4ADD115060A5}"/>
+                  <a16:creationId xmlns="" xmlns:a16="http://schemas.microsoft.com/office/drawing/2014/main" id="{2734DEB1-EC02-2E42-9292-4ADD115060A5}"/>
                 </a:ext>
               </a:extLst>
             </p:cNvPr>
@@ -3044,7 +3038,7 @@
           <p:cNvPr id="13" name="Title 1">
             <a:extLst>
               <a:ext uri="{FF2B5EF4-FFF2-40B4-BE49-F238E27FC236}">
-                <a16:creationId xmlns:a16="http://schemas.microsoft.com/office/drawing/2014/main" xmlns="" id="{5E932F0D-7FC3-634B-932C-3625C16C8DE2}"/>
+                <a16:creationId xmlns="" xmlns:a16="http://schemas.microsoft.com/office/drawing/2014/main" id="{5E932F0D-7FC3-634B-932C-3625C16C8DE2}"/>
               </a:ext>
             </a:extLst>
           </p:cNvPr>
@@ -3085,7 +3079,7 @@
           <p:cNvPr id="3" name="Content Placeholder 2">
             <a:extLst>
               <a:ext uri="{FF2B5EF4-FFF2-40B4-BE49-F238E27FC236}">
-                <a16:creationId xmlns:a16="http://schemas.microsoft.com/office/drawing/2014/main" xmlns="" id="{CA1EED44-783E-8705-4119-D7E9F7D4F2B4}"/>
+                <a16:creationId xmlns="" xmlns:a16="http://schemas.microsoft.com/office/drawing/2014/main" id="{CA1EED44-783E-8705-4119-D7E9F7D4F2B4}"/>
               </a:ext>
             </a:extLst>
           </p:cNvPr>
@@ -3215,7 +3209,7 @@
           <p:cNvPr id="4" name="Date Placeholder 3">
             <a:extLst>
               <a:ext uri="{FF2B5EF4-FFF2-40B4-BE49-F238E27FC236}">
-                <a16:creationId xmlns:a16="http://schemas.microsoft.com/office/drawing/2014/main" xmlns="" id="{8E95D4F5-F69B-42F6-8A9D-330F696E144B}"/>
+                <a16:creationId xmlns="" xmlns:a16="http://schemas.microsoft.com/office/drawing/2014/main" id="{8E95D4F5-F69B-42F6-8A9D-330F696E144B}"/>
               </a:ext>
             </a:extLst>
           </p:cNvPr>
@@ -3254,7 +3248,7 @@
           <p:cNvPr id="5" name="Footer Placeholder 4">
             <a:extLst>
               <a:ext uri="{FF2B5EF4-FFF2-40B4-BE49-F238E27FC236}">
-                <a16:creationId xmlns:a16="http://schemas.microsoft.com/office/drawing/2014/main" xmlns="" id="{FA79A23A-2238-4904-8692-9F2DAE8B8FC9}"/>
+                <a16:creationId xmlns="" xmlns:a16="http://schemas.microsoft.com/office/drawing/2014/main" id="{FA79A23A-2238-4904-8692-9F2DAE8B8FC9}"/>
               </a:ext>
             </a:extLst>
           </p:cNvPr>
@@ -3290,7 +3284,7 @@
           <p:cNvPr id="6" name="Slide Number Placeholder 5">
             <a:extLst>
               <a:ext uri="{FF2B5EF4-FFF2-40B4-BE49-F238E27FC236}">
-                <a16:creationId xmlns:a16="http://schemas.microsoft.com/office/drawing/2014/main" xmlns="" id="{DB69FC35-DDC8-45FB-8ACB-21C15F57C1F1}"/>
+                <a16:creationId xmlns="" xmlns:a16="http://schemas.microsoft.com/office/drawing/2014/main" id="{DB69FC35-DDC8-45FB-8ACB-21C15F57C1F1}"/>
               </a:ext>
             </a:extLst>
           </p:cNvPr>
@@ -3366,10 +3360,10 @@
           <p:cNvPr id="4" name="Group 3">
             <a:extLst>
               <a:ext uri="{FF2B5EF4-FFF2-40B4-BE49-F238E27FC236}">
-                <a16:creationId xmlns:a16="http://schemas.microsoft.com/office/drawing/2014/main" xmlns="" id="{95FBCE6F-2AA9-31FE-8148-33B480735599}"/>
+                <a16:creationId xmlns="" xmlns:a16="http://schemas.microsoft.com/office/drawing/2014/main" id="{95FBCE6F-2AA9-31FE-8148-33B480735599}"/>
               </a:ext>
               <a:ext uri="{C183D7F6-B498-43B3-948B-1728B52AA6E4}">
-                <adec:decorative xmlns:adec="http://schemas.microsoft.com/office/drawing/2017/decorative" xmlns="" val="1"/>
+                <adec:decorative xmlns="" xmlns:adec="http://schemas.microsoft.com/office/drawing/2017/decorative" val="1"/>
               </a:ext>
             </a:extLst>
           </p:cNvPr>
@@ -3389,7 +3383,7 @@
             <p:cNvPr id="23" name="Freeform 22">
               <a:extLst>
                 <a:ext uri="{FF2B5EF4-FFF2-40B4-BE49-F238E27FC236}">
-                  <a16:creationId xmlns:a16="http://schemas.microsoft.com/office/drawing/2014/main" xmlns="" id="{067EACEC-C2DD-EA42-8504-176673AD1F20}"/>
+                  <a16:creationId xmlns="" xmlns:a16="http://schemas.microsoft.com/office/drawing/2014/main" id="{067EACEC-C2DD-EA42-8504-176673AD1F20}"/>
                 </a:ext>
               </a:extLst>
             </p:cNvPr>
@@ -3495,7 +3489,7 @@
             <p:cNvPr id="6" name="Group 5">
               <a:extLst>
                 <a:ext uri="{FF2B5EF4-FFF2-40B4-BE49-F238E27FC236}">
-                  <a16:creationId xmlns:a16="http://schemas.microsoft.com/office/drawing/2014/main" xmlns="" id="{89843C7E-5704-7A46-8974-F3BFA42E7310}"/>
+                  <a16:creationId xmlns="" xmlns:a16="http://schemas.microsoft.com/office/drawing/2014/main" id="{89843C7E-5704-7A46-8974-F3BFA42E7310}"/>
                 </a:ext>
               </a:extLst>
             </p:cNvPr>
@@ -3515,7 +3509,7 @@
               <p:cNvPr id="15" name="Freeform 14">
                 <a:extLst>
                   <a:ext uri="{FF2B5EF4-FFF2-40B4-BE49-F238E27FC236}">
-                    <a16:creationId xmlns:a16="http://schemas.microsoft.com/office/drawing/2014/main" xmlns="" id="{EFBF1E52-11FA-DC48-B7AD-75734232FFE8}"/>
+                    <a16:creationId xmlns="" xmlns:a16="http://schemas.microsoft.com/office/drawing/2014/main" id="{EFBF1E52-11FA-DC48-B7AD-75734232FFE8}"/>
                   </a:ext>
                 </a:extLst>
               </p:cNvPr>
@@ -3640,7 +3634,7 @@
               <p:cNvPr id="16" name="Freeform 15">
                 <a:extLst>
                   <a:ext uri="{FF2B5EF4-FFF2-40B4-BE49-F238E27FC236}">
-                    <a16:creationId xmlns:a16="http://schemas.microsoft.com/office/drawing/2014/main" xmlns="" id="{4850B620-49F5-3748-84AF-682555D52792}"/>
+                    <a16:creationId xmlns="" xmlns:a16="http://schemas.microsoft.com/office/drawing/2014/main" id="{4850B620-49F5-3748-84AF-682555D52792}"/>
                   </a:ext>
                 </a:extLst>
               </p:cNvPr>
@@ -3766,7 +3760,7 @@
             <p:cNvPr id="17" name="Freeform 16">
               <a:extLst>
                 <a:ext uri="{FF2B5EF4-FFF2-40B4-BE49-F238E27FC236}">
-                  <a16:creationId xmlns:a16="http://schemas.microsoft.com/office/drawing/2014/main" xmlns="" id="{0B179973-08D2-EF40-B516-35E75E906394}"/>
+                  <a16:creationId xmlns="" xmlns:a16="http://schemas.microsoft.com/office/drawing/2014/main" id="{0B179973-08D2-EF40-B516-35E75E906394}"/>
                 </a:ext>
               </a:extLst>
             </p:cNvPr>
@@ -3865,7 +3859,7 @@
             <p:cNvPr id="18" name="Freeform 17">
               <a:extLst>
                 <a:ext uri="{FF2B5EF4-FFF2-40B4-BE49-F238E27FC236}">
-                  <a16:creationId xmlns:a16="http://schemas.microsoft.com/office/drawing/2014/main" xmlns="" id="{6C811FF3-E48A-194D-8022-65F8C3A17449}"/>
+                  <a16:creationId xmlns="" xmlns:a16="http://schemas.microsoft.com/office/drawing/2014/main" id="{6C811FF3-E48A-194D-8022-65F8C3A17449}"/>
                 </a:ext>
               </a:extLst>
             </p:cNvPr>
@@ -3965,7 +3959,7 @@
           <p:cNvPr id="2" name="Title 1">
             <a:extLst>
               <a:ext uri="{FF2B5EF4-FFF2-40B4-BE49-F238E27FC236}">
-                <a16:creationId xmlns:a16="http://schemas.microsoft.com/office/drawing/2014/main" xmlns="" id="{494248F2-5264-4601-AA0B-6C092F77F2DD}"/>
+                <a16:creationId xmlns="" xmlns:a16="http://schemas.microsoft.com/office/drawing/2014/main" id="{494248F2-5264-4601-AA0B-6C092F77F2DD}"/>
               </a:ext>
             </a:extLst>
           </p:cNvPr>
@@ -4009,7 +4003,7 @@
           <p:cNvPr id="3" name="Subtitle 2">
             <a:extLst>
               <a:ext uri="{FF2B5EF4-FFF2-40B4-BE49-F238E27FC236}">
-                <a16:creationId xmlns:a16="http://schemas.microsoft.com/office/drawing/2014/main" xmlns="" id="{DCFB69D3-5632-4285-A209-9DCA67DA668C}"/>
+                <a16:creationId xmlns="" xmlns:a16="http://schemas.microsoft.com/office/drawing/2014/main" id="{DCFB69D3-5632-4285-A209-9DCA67DA668C}"/>
               </a:ext>
             </a:extLst>
           </p:cNvPr>
@@ -4116,10 +4110,10 @@
           <p:cNvPr id="16" name="Group 15">
             <a:extLst>
               <a:ext uri="{FF2B5EF4-FFF2-40B4-BE49-F238E27FC236}">
-                <a16:creationId xmlns:a16="http://schemas.microsoft.com/office/drawing/2014/main" xmlns="" id="{14DB56B5-5DD7-95E3-52B2-EDC4B3F13058}"/>
+                <a16:creationId xmlns="" xmlns:a16="http://schemas.microsoft.com/office/drawing/2014/main" id="{14DB56B5-5DD7-95E3-52B2-EDC4B3F13058}"/>
               </a:ext>
               <a:ext uri="{C183D7F6-B498-43B3-948B-1728B52AA6E4}">
-                <adec:decorative xmlns:adec="http://schemas.microsoft.com/office/drawing/2017/decorative" xmlns="" val="1"/>
+                <adec:decorative xmlns="" xmlns:adec="http://schemas.microsoft.com/office/drawing/2017/decorative" val="1"/>
               </a:ext>
             </a:extLst>
           </p:cNvPr>
@@ -4139,7 +4133,7 @@
             <p:cNvPr id="4" name="Freeform 3">
               <a:extLst>
                 <a:ext uri="{FF2B5EF4-FFF2-40B4-BE49-F238E27FC236}">
-                  <a16:creationId xmlns:a16="http://schemas.microsoft.com/office/drawing/2014/main" xmlns="" id="{6A7F6A3F-E1DD-A246-9A6D-5F9B18BA2588}"/>
+                  <a16:creationId xmlns="" xmlns:a16="http://schemas.microsoft.com/office/drawing/2014/main" id="{6A7F6A3F-E1DD-A246-9A6D-5F9B18BA2588}"/>
                 </a:ext>
               </a:extLst>
             </p:cNvPr>
@@ -4238,7 +4232,7 @@
             <p:cNvPr id="5" name="Freeform 4">
               <a:extLst>
                 <a:ext uri="{FF2B5EF4-FFF2-40B4-BE49-F238E27FC236}">
-                  <a16:creationId xmlns:a16="http://schemas.microsoft.com/office/drawing/2014/main" xmlns="" id="{055FD0FC-C8FF-6741-A364-A29CDC6F9495}"/>
+                  <a16:creationId xmlns="" xmlns:a16="http://schemas.microsoft.com/office/drawing/2014/main" id="{055FD0FC-C8FF-6741-A364-A29CDC6F9495}"/>
                 </a:ext>
               </a:extLst>
             </p:cNvPr>
@@ -4337,7 +4331,7 @@
             <p:cNvPr id="6" name="Freeform 5">
               <a:extLst>
                 <a:ext uri="{FF2B5EF4-FFF2-40B4-BE49-F238E27FC236}">
-                  <a16:creationId xmlns:a16="http://schemas.microsoft.com/office/drawing/2014/main" xmlns="" id="{D11C9832-A021-954E-A34F-2988D1189AE9}"/>
+                  <a16:creationId xmlns="" xmlns:a16="http://schemas.microsoft.com/office/drawing/2014/main" id="{D11C9832-A021-954E-A34F-2988D1189AE9}"/>
                 </a:ext>
               </a:extLst>
             </p:cNvPr>
@@ -4436,7 +4430,7 @@
             <p:cNvPr id="9" name="Group 8">
               <a:extLst>
                 <a:ext uri="{FF2B5EF4-FFF2-40B4-BE49-F238E27FC236}">
-                  <a16:creationId xmlns:a16="http://schemas.microsoft.com/office/drawing/2014/main" xmlns="" id="{9861BC34-DFBF-2D4F-B463-FCFBC08391FF}"/>
+                  <a16:creationId xmlns="" xmlns:a16="http://schemas.microsoft.com/office/drawing/2014/main" id="{9861BC34-DFBF-2D4F-B463-FCFBC08391FF}"/>
                 </a:ext>
               </a:extLst>
             </p:cNvPr>
@@ -4456,7 +4450,7 @@
               <p:cNvPr id="7" name="Freeform 6">
                 <a:extLst>
                   <a:ext uri="{FF2B5EF4-FFF2-40B4-BE49-F238E27FC236}">
-                    <a16:creationId xmlns:a16="http://schemas.microsoft.com/office/drawing/2014/main" xmlns="" id="{55C37C19-F268-4A43-A0D4-3B1B38D48952}"/>
+                    <a16:creationId xmlns="" xmlns:a16="http://schemas.microsoft.com/office/drawing/2014/main" id="{55C37C19-F268-4A43-A0D4-3B1B38D48952}"/>
                   </a:ext>
                 </a:extLst>
               </p:cNvPr>
@@ -4583,7 +4577,7 @@
               <p:cNvPr id="8" name="Freeform 7">
                 <a:extLst>
                   <a:ext uri="{FF2B5EF4-FFF2-40B4-BE49-F238E27FC236}">
-                    <a16:creationId xmlns:a16="http://schemas.microsoft.com/office/drawing/2014/main" xmlns="" id="{E4F760E5-9D5D-E44F-AEBF-20CA8DE87D11}"/>
+                    <a16:creationId xmlns="" xmlns:a16="http://schemas.microsoft.com/office/drawing/2014/main" id="{E4F760E5-9D5D-E44F-AEBF-20CA8DE87D11}"/>
                   </a:ext>
                 </a:extLst>
               </p:cNvPr>
@@ -4712,7 +4706,7 @@
           <p:cNvPr id="2" name="Title 1">
             <a:extLst>
               <a:ext uri="{FF2B5EF4-FFF2-40B4-BE49-F238E27FC236}">
-                <a16:creationId xmlns:a16="http://schemas.microsoft.com/office/drawing/2014/main" xmlns="" id="{3CD97974-B93C-4C96-B3F6-F69E3D6DE6CA}"/>
+                <a16:creationId xmlns="" xmlns:a16="http://schemas.microsoft.com/office/drawing/2014/main" id="{3CD97974-B93C-4C96-B3F6-F69E3D6DE6CA}"/>
               </a:ext>
             </a:extLst>
           </p:cNvPr>
@@ -4753,7 +4747,7 @@
           <p:cNvPr id="3" name="Content Placeholder 2">
             <a:extLst>
               <a:ext uri="{FF2B5EF4-FFF2-40B4-BE49-F238E27FC236}">
-                <a16:creationId xmlns:a16="http://schemas.microsoft.com/office/drawing/2014/main" xmlns="" id="{8A6FC6F2-80B4-49A7-9448-33FE2DF0E967}"/>
+                <a16:creationId xmlns="" xmlns:a16="http://schemas.microsoft.com/office/drawing/2014/main" id="{8A6FC6F2-80B4-49A7-9448-33FE2DF0E967}"/>
               </a:ext>
             </a:extLst>
           </p:cNvPr>
@@ -4868,7 +4862,7 @@
           <p:cNvPr id="13" name="Content Placeholder 2">
             <a:extLst>
               <a:ext uri="{FF2B5EF4-FFF2-40B4-BE49-F238E27FC236}">
-                <a16:creationId xmlns:a16="http://schemas.microsoft.com/office/drawing/2014/main" xmlns="" id="{94CA559C-3355-DE44-ACF9-BDB6083C4225}"/>
+                <a16:creationId xmlns="" xmlns:a16="http://schemas.microsoft.com/office/drawing/2014/main" id="{94CA559C-3355-DE44-ACF9-BDB6083C4225}"/>
               </a:ext>
             </a:extLst>
           </p:cNvPr>
@@ -4983,7 +4977,7 @@
           <p:cNvPr id="10" name="Date Placeholder 3">
             <a:extLst>
               <a:ext uri="{FF2B5EF4-FFF2-40B4-BE49-F238E27FC236}">
-                <a16:creationId xmlns:a16="http://schemas.microsoft.com/office/drawing/2014/main" xmlns="" id="{7536C149-3EFE-A94E-902D-57CED00B2C0F}"/>
+                <a16:creationId xmlns="" xmlns:a16="http://schemas.microsoft.com/office/drawing/2014/main" id="{7536C149-3EFE-A94E-902D-57CED00B2C0F}"/>
               </a:ext>
             </a:extLst>
           </p:cNvPr>
@@ -5030,7 +5024,7 @@
           <p:cNvPr id="11" name="Footer Placeholder 4">
             <a:extLst>
               <a:ext uri="{FF2B5EF4-FFF2-40B4-BE49-F238E27FC236}">
-                <a16:creationId xmlns:a16="http://schemas.microsoft.com/office/drawing/2014/main" xmlns="" id="{53CA1E78-F17D-F34D-9F81-0DBF44F37894}"/>
+                <a16:creationId xmlns="" xmlns:a16="http://schemas.microsoft.com/office/drawing/2014/main" id="{53CA1E78-F17D-F34D-9F81-0DBF44F37894}"/>
               </a:ext>
             </a:extLst>
           </p:cNvPr>
@@ -5074,7 +5068,7 @@
           <p:cNvPr id="12" name="Slide Number Placeholder 5">
             <a:extLst>
               <a:ext uri="{FF2B5EF4-FFF2-40B4-BE49-F238E27FC236}">
-                <a16:creationId xmlns:a16="http://schemas.microsoft.com/office/drawing/2014/main" xmlns="" id="{1FE54918-A625-F64F-A42E-A427E9B2D489}"/>
+                <a16:creationId xmlns="" xmlns:a16="http://schemas.microsoft.com/office/drawing/2014/main" id="{1FE54918-A625-F64F-A42E-A427E9B2D489}"/>
               </a:ext>
             </a:extLst>
           </p:cNvPr>
@@ -5161,10 +5155,10 @@
           <p:cNvPr id="6" name="Group 5">
             <a:extLst>
               <a:ext uri="{FF2B5EF4-FFF2-40B4-BE49-F238E27FC236}">
-                <a16:creationId xmlns:a16="http://schemas.microsoft.com/office/drawing/2014/main" xmlns="" id="{1A0E8D4A-B13C-C7EE-5E27-278124A1276E}"/>
+                <a16:creationId xmlns="" xmlns:a16="http://schemas.microsoft.com/office/drawing/2014/main" id="{1A0E8D4A-B13C-C7EE-5E27-278124A1276E}"/>
               </a:ext>
               <a:ext uri="{C183D7F6-B498-43B3-948B-1728B52AA6E4}">
-                <adec:decorative xmlns:adec="http://schemas.microsoft.com/office/drawing/2017/decorative" xmlns="" val="1"/>
+                <adec:decorative xmlns="" xmlns:adec="http://schemas.microsoft.com/office/drawing/2017/decorative" val="1"/>
               </a:ext>
             </a:extLst>
           </p:cNvPr>
@@ -5184,7 +5178,7 @@
             <p:cNvPr id="4" name="Freeform 3">
               <a:extLst>
                 <a:ext uri="{FF2B5EF4-FFF2-40B4-BE49-F238E27FC236}">
-                  <a16:creationId xmlns:a16="http://schemas.microsoft.com/office/drawing/2014/main" xmlns="" id="{6A7F6A3F-E1DD-A246-9A6D-5F9B18BA2588}"/>
+                  <a16:creationId xmlns="" xmlns:a16="http://schemas.microsoft.com/office/drawing/2014/main" id="{6A7F6A3F-E1DD-A246-9A6D-5F9B18BA2588}"/>
                 </a:ext>
               </a:extLst>
             </p:cNvPr>
@@ -5283,7 +5277,7 @@
             <p:cNvPr id="5" name="Freeform 4">
               <a:extLst>
                 <a:ext uri="{FF2B5EF4-FFF2-40B4-BE49-F238E27FC236}">
-                  <a16:creationId xmlns:a16="http://schemas.microsoft.com/office/drawing/2014/main" xmlns="" id="{055FD0FC-C8FF-6741-A364-A29CDC6F9495}"/>
+                  <a16:creationId xmlns="" xmlns:a16="http://schemas.microsoft.com/office/drawing/2014/main" id="{055FD0FC-C8FF-6741-A364-A29CDC6F9495}"/>
                 </a:ext>
               </a:extLst>
             </p:cNvPr>
@@ -5383,7 +5377,7 @@
           <p:cNvPr id="2" name="Title 1">
             <a:extLst>
               <a:ext uri="{FF2B5EF4-FFF2-40B4-BE49-F238E27FC236}">
-                <a16:creationId xmlns:a16="http://schemas.microsoft.com/office/drawing/2014/main" xmlns="" id="{3CD97974-B93C-4C96-B3F6-F69E3D6DE6CA}"/>
+                <a16:creationId xmlns="" xmlns:a16="http://schemas.microsoft.com/office/drawing/2014/main" id="{3CD97974-B93C-4C96-B3F6-F69E3D6DE6CA}"/>
               </a:ext>
             </a:extLst>
           </p:cNvPr>
@@ -5427,7 +5421,7 @@
           <p:cNvPr id="14" name="Content Placeholder 2">
             <a:extLst>
               <a:ext uri="{FF2B5EF4-FFF2-40B4-BE49-F238E27FC236}">
-                <a16:creationId xmlns:a16="http://schemas.microsoft.com/office/drawing/2014/main" xmlns="" id="{926B296A-EB6A-9BE9-E813-B15C46524F4D}"/>
+                <a16:creationId xmlns="" xmlns:a16="http://schemas.microsoft.com/office/drawing/2014/main" id="{926B296A-EB6A-9BE9-E813-B15C46524F4D}"/>
               </a:ext>
             </a:extLst>
           </p:cNvPr>
@@ -5557,7 +5551,7 @@
           <p:cNvPr id="9" name="Content Placeholder 2">
             <a:extLst>
               <a:ext uri="{FF2B5EF4-FFF2-40B4-BE49-F238E27FC236}">
-                <a16:creationId xmlns:a16="http://schemas.microsoft.com/office/drawing/2014/main" xmlns="" id="{9435B7D5-E7F8-1267-8942-3C97BE836B98}"/>
+                <a16:creationId xmlns="" xmlns:a16="http://schemas.microsoft.com/office/drawing/2014/main" id="{9435B7D5-E7F8-1267-8942-3C97BE836B98}"/>
               </a:ext>
             </a:extLst>
           </p:cNvPr>
@@ -5687,7 +5681,7 @@
           <p:cNvPr id="10" name="Date Placeholder 3">
             <a:extLst>
               <a:ext uri="{FF2B5EF4-FFF2-40B4-BE49-F238E27FC236}">
-                <a16:creationId xmlns:a16="http://schemas.microsoft.com/office/drawing/2014/main" xmlns="" id="{7536C149-3EFE-A94E-902D-57CED00B2C0F}"/>
+                <a16:creationId xmlns="" xmlns:a16="http://schemas.microsoft.com/office/drawing/2014/main" id="{7536C149-3EFE-A94E-902D-57CED00B2C0F}"/>
               </a:ext>
             </a:extLst>
           </p:cNvPr>
@@ -5734,7 +5728,7 @@
           <p:cNvPr id="11" name="Footer Placeholder 4">
             <a:extLst>
               <a:ext uri="{FF2B5EF4-FFF2-40B4-BE49-F238E27FC236}">
-                <a16:creationId xmlns:a16="http://schemas.microsoft.com/office/drawing/2014/main" xmlns="" id="{53CA1E78-F17D-F34D-9F81-0DBF44F37894}"/>
+                <a16:creationId xmlns="" xmlns:a16="http://schemas.microsoft.com/office/drawing/2014/main" id="{53CA1E78-F17D-F34D-9F81-0DBF44F37894}"/>
               </a:ext>
             </a:extLst>
           </p:cNvPr>
@@ -5778,7 +5772,7 @@
           <p:cNvPr id="12" name="Slide Number Placeholder 5">
             <a:extLst>
               <a:ext uri="{FF2B5EF4-FFF2-40B4-BE49-F238E27FC236}">
-                <a16:creationId xmlns:a16="http://schemas.microsoft.com/office/drawing/2014/main" xmlns="" id="{1FE54918-A625-F64F-A42E-A427E9B2D489}"/>
+                <a16:creationId xmlns="" xmlns:a16="http://schemas.microsoft.com/office/drawing/2014/main" id="{1FE54918-A625-F64F-A42E-A427E9B2D489}"/>
               </a:ext>
             </a:extLst>
           </p:cNvPr>
@@ -5865,10 +5859,10 @@
           <p:cNvPr id="9" name="Group 8">
             <a:extLst>
               <a:ext uri="{FF2B5EF4-FFF2-40B4-BE49-F238E27FC236}">
-                <a16:creationId xmlns:a16="http://schemas.microsoft.com/office/drawing/2014/main" xmlns="" id="{ABA2A58C-57B7-834C-8F5C-3299322411B1}"/>
+                <a16:creationId xmlns="" xmlns:a16="http://schemas.microsoft.com/office/drawing/2014/main" id="{ABA2A58C-57B7-834C-8F5C-3299322411B1}"/>
               </a:ext>
               <a:ext uri="{C183D7F6-B498-43B3-948B-1728B52AA6E4}">
-                <adec:decorative xmlns:adec="http://schemas.microsoft.com/office/drawing/2017/decorative" xmlns="" val="1"/>
+                <adec:decorative xmlns="" xmlns:adec="http://schemas.microsoft.com/office/drawing/2017/decorative" val="1"/>
               </a:ext>
             </a:extLst>
           </p:cNvPr>
@@ -5888,7 +5882,7 @@
             <p:cNvPr id="13" name="Freeform 12">
               <a:extLst>
                 <a:ext uri="{FF2B5EF4-FFF2-40B4-BE49-F238E27FC236}">
-                  <a16:creationId xmlns:a16="http://schemas.microsoft.com/office/drawing/2014/main" xmlns="" id="{801D8067-144A-FE48-AF1E-529B662DCAD3}"/>
+                  <a16:creationId xmlns="" xmlns:a16="http://schemas.microsoft.com/office/drawing/2014/main" id="{801D8067-144A-FE48-AF1E-529B662DCAD3}"/>
                 </a:ext>
               </a:extLst>
             </p:cNvPr>
@@ -6013,7 +6007,7 @@
             <p:cNvPr id="14" name="Freeform 13">
               <a:extLst>
                 <a:ext uri="{FF2B5EF4-FFF2-40B4-BE49-F238E27FC236}">
-                  <a16:creationId xmlns:a16="http://schemas.microsoft.com/office/drawing/2014/main" xmlns="" id="{2ECA7D87-C78C-C140-AA28-C0FB20209045}"/>
+                  <a16:creationId xmlns="" xmlns:a16="http://schemas.microsoft.com/office/drawing/2014/main" id="{2ECA7D87-C78C-C140-AA28-C0FB20209045}"/>
                 </a:ext>
               </a:extLst>
             </p:cNvPr>
@@ -6139,7 +6133,7 @@
           <p:cNvPr id="2" name="Title 1">
             <a:extLst>
               <a:ext uri="{FF2B5EF4-FFF2-40B4-BE49-F238E27FC236}">
-                <a16:creationId xmlns:a16="http://schemas.microsoft.com/office/drawing/2014/main" xmlns="" id="{3CD97974-B93C-4C96-B3F6-F69E3D6DE6CA}"/>
+                <a16:creationId xmlns="" xmlns:a16="http://schemas.microsoft.com/office/drawing/2014/main" id="{3CD97974-B93C-4C96-B3F6-F69E3D6DE6CA}"/>
               </a:ext>
             </a:extLst>
           </p:cNvPr>
@@ -6180,7 +6174,7 @@
           <p:cNvPr id="3" name="Content Placeholder 2">
             <a:extLst>
               <a:ext uri="{FF2B5EF4-FFF2-40B4-BE49-F238E27FC236}">
-                <a16:creationId xmlns:a16="http://schemas.microsoft.com/office/drawing/2014/main" xmlns="" id="{8A6FC6F2-80B4-49A7-9448-33FE2DF0E967}"/>
+                <a16:creationId xmlns="" xmlns:a16="http://schemas.microsoft.com/office/drawing/2014/main" id="{8A6FC6F2-80B4-49A7-9448-33FE2DF0E967}"/>
               </a:ext>
             </a:extLst>
           </p:cNvPr>
@@ -6275,7 +6269,7 @@
           <p:cNvPr id="10" name="Date Placeholder 3">
             <a:extLst>
               <a:ext uri="{FF2B5EF4-FFF2-40B4-BE49-F238E27FC236}">
-                <a16:creationId xmlns:a16="http://schemas.microsoft.com/office/drawing/2014/main" xmlns="" id="{7536C149-3EFE-A94E-902D-57CED00B2C0F}"/>
+                <a16:creationId xmlns="" xmlns:a16="http://schemas.microsoft.com/office/drawing/2014/main" id="{7536C149-3EFE-A94E-902D-57CED00B2C0F}"/>
               </a:ext>
             </a:extLst>
           </p:cNvPr>
@@ -6322,7 +6316,7 @@
           <p:cNvPr id="11" name="Footer Placeholder 4">
             <a:extLst>
               <a:ext uri="{FF2B5EF4-FFF2-40B4-BE49-F238E27FC236}">
-                <a16:creationId xmlns:a16="http://schemas.microsoft.com/office/drawing/2014/main" xmlns="" id="{53CA1E78-F17D-F34D-9F81-0DBF44F37894}"/>
+                <a16:creationId xmlns="" xmlns:a16="http://schemas.microsoft.com/office/drawing/2014/main" id="{53CA1E78-F17D-F34D-9F81-0DBF44F37894}"/>
               </a:ext>
             </a:extLst>
           </p:cNvPr>
@@ -6366,7 +6360,7 @@
           <p:cNvPr id="12" name="Slide Number Placeholder 5">
             <a:extLst>
               <a:ext uri="{FF2B5EF4-FFF2-40B4-BE49-F238E27FC236}">
-                <a16:creationId xmlns:a16="http://schemas.microsoft.com/office/drawing/2014/main" xmlns="" id="{1FE54918-A625-F64F-A42E-A427E9B2D489}"/>
+                <a16:creationId xmlns="" xmlns:a16="http://schemas.microsoft.com/office/drawing/2014/main" id="{1FE54918-A625-F64F-A42E-A427E9B2D489}"/>
               </a:ext>
             </a:extLst>
           </p:cNvPr>
@@ -6445,10 +6439,10 @@
           <p:cNvPr id="5" name="Group 4">
             <a:extLst>
               <a:ext uri="{FF2B5EF4-FFF2-40B4-BE49-F238E27FC236}">
-                <a16:creationId xmlns:a16="http://schemas.microsoft.com/office/drawing/2014/main" xmlns="" id="{78AD52EA-B01E-8D38-D87A-BF7EB5B58A82}"/>
+                <a16:creationId xmlns="" xmlns:a16="http://schemas.microsoft.com/office/drawing/2014/main" id="{78AD52EA-B01E-8D38-D87A-BF7EB5B58A82}"/>
               </a:ext>
               <a:ext uri="{C183D7F6-B498-43B3-948B-1728B52AA6E4}">
-                <adec:decorative xmlns:adec="http://schemas.microsoft.com/office/drawing/2017/decorative" xmlns="" val="1"/>
+                <adec:decorative xmlns="" xmlns:adec="http://schemas.microsoft.com/office/drawing/2017/decorative" val="1"/>
               </a:ext>
             </a:extLst>
           </p:cNvPr>
@@ -6468,7 +6462,7 @@
             <p:cNvPr id="4" name="Rectangle 3">
               <a:extLst>
                 <a:ext uri="{FF2B5EF4-FFF2-40B4-BE49-F238E27FC236}">
-                  <a16:creationId xmlns:a16="http://schemas.microsoft.com/office/drawing/2014/main" xmlns="" id="{9AC79249-FDC0-364D-A734-AE1DE1605D28}"/>
+                  <a16:creationId xmlns="" xmlns:a16="http://schemas.microsoft.com/office/drawing/2014/main" id="{9AC79249-FDC0-364D-A734-AE1DE1605D28}"/>
                 </a:ext>
               </a:extLst>
             </p:cNvPr>
@@ -6520,7 +6514,7 @@
             <p:cNvPr id="6" name="Group 5">
               <a:extLst>
                 <a:ext uri="{FF2B5EF4-FFF2-40B4-BE49-F238E27FC236}">
-                  <a16:creationId xmlns:a16="http://schemas.microsoft.com/office/drawing/2014/main" xmlns="" id="{F15FBB50-09C8-B64E-AE57-67C5E70810CB}"/>
+                  <a16:creationId xmlns="" xmlns:a16="http://schemas.microsoft.com/office/drawing/2014/main" id="{F15FBB50-09C8-B64E-AE57-67C5E70810CB}"/>
                 </a:ext>
               </a:extLst>
             </p:cNvPr>
@@ -6540,7 +6534,7 @@
               <p:cNvPr id="15" name="Freeform 14">
                 <a:extLst>
                   <a:ext uri="{FF2B5EF4-FFF2-40B4-BE49-F238E27FC236}">
-                    <a16:creationId xmlns:a16="http://schemas.microsoft.com/office/drawing/2014/main" xmlns="" id="{EFBF1E52-11FA-DC48-B7AD-75734232FFE8}"/>
+                    <a16:creationId xmlns="" xmlns:a16="http://schemas.microsoft.com/office/drawing/2014/main" id="{EFBF1E52-11FA-DC48-B7AD-75734232FFE8}"/>
                   </a:ext>
                 </a:extLst>
               </p:cNvPr>
@@ -6665,7 +6659,7 @@
               <p:cNvPr id="16" name="Freeform 15">
                 <a:extLst>
                   <a:ext uri="{FF2B5EF4-FFF2-40B4-BE49-F238E27FC236}">
-                    <a16:creationId xmlns:a16="http://schemas.microsoft.com/office/drawing/2014/main" xmlns="" id="{4850B620-49F5-3748-84AF-682555D52792}"/>
+                    <a16:creationId xmlns="" xmlns:a16="http://schemas.microsoft.com/office/drawing/2014/main" id="{4850B620-49F5-3748-84AF-682555D52792}"/>
                   </a:ext>
                 </a:extLst>
               </p:cNvPr>
@@ -6791,7 +6785,7 @@
             <p:cNvPr id="22" name="Freeform 21">
               <a:extLst>
                 <a:ext uri="{FF2B5EF4-FFF2-40B4-BE49-F238E27FC236}">
-                  <a16:creationId xmlns:a16="http://schemas.microsoft.com/office/drawing/2014/main" xmlns="" id="{BC68F289-2744-2F48-893A-3F17911625C8}"/>
+                  <a16:creationId xmlns="" xmlns:a16="http://schemas.microsoft.com/office/drawing/2014/main" id="{BC68F289-2744-2F48-893A-3F17911625C8}"/>
                 </a:ext>
               </a:extLst>
             </p:cNvPr>
@@ -6890,7 +6884,7 @@
             <p:cNvPr id="17" name="Freeform 16">
               <a:extLst>
                 <a:ext uri="{FF2B5EF4-FFF2-40B4-BE49-F238E27FC236}">
-                  <a16:creationId xmlns:a16="http://schemas.microsoft.com/office/drawing/2014/main" xmlns="" id="{39563C76-BC00-DE47-88F5-C24D3CE3325A}"/>
+                  <a16:creationId xmlns="" xmlns:a16="http://schemas.microsoft.com/office/drawing/2014/main" id="{39563C76-BC00-DE47-88F5-C24D3CE3325A}"/>
                 </a:ext>
               </a:extLst>
             </p:cNvPr>
@@ -7035,7 +7029,7 @@
           <p:cNvPr id="2" name="Title 1">
             <a:extLst>
               <a:ext uri="{FF2B5EF4-FFF2-40B4-BE49-F238E27FC236}">
-                <a16:creationId xmlns:a16="http://schemas.microsoft.com/office/drawing/2014/main" xmlns="" id="{494248F2-5264-4601-AA0B-6C092F77F2DD}"/>
+                <a16:creationId xmlns="" xmlns:a16="http://schemas.microsoft.com/office/drawing/2014/main" id="{494248F2-5264-4601-AA0B-6C092F77F2DD}"/>
               </a:ext>
             </a:extLst>
           </p:cNvPr>
@@ -7076,7 +7070,7 @@
           <p:cNvPr id="3" name="Subtitle 2">
             <a:extLst>
               <a:ext uri="{FF2B5EF4-FFF2-40B4-BE49-F238E27FC236}">
-                <a16:creationId xmlns:a16="http://schemas.microsoft.com/office/drawing/2014/main" xmlns="" id="{DCFB69D3-5632-4285-A209-9DCA67DA668C}"/>
+                <a16:creationId xmlns="" xmlns:a16="http://schemas.microsoft.com/office/drawing/2014/main" id="{DCFB69D3-5632-4285-A209-9DCA67DA668C}"/>
               </a:ext>
             </a:extLst>
           </p:cNvPr>
@@ -7186,7 +7180,7 @@
           <p:cNvPr id="2" name="Title Placeholder 1">
             <a:extLst>
               <a:ext uri="{FF2B5EF4-FFF2-40B4-BE49-F238E27FC236}">
-                <a16:creationId xmlns:a16="http://schemas.microsoft.com/office/drawing/2014/main" xmlns="" id="{9198F9AA-2C87-421D-97C1-B4248DFDC2C2}"/>
+                <a16:creationId xmlns="" xmlns:a16="http://schemas.microsoft.com/office/drawing/2014/main" id="{9198F9AA-2C87-421D-97C1-B4248DFDC2C2}"/>
               </a:ext>
             </a:extLst>
           </p:cNvPr>
@@ -7225,7 +7219,7 @@
           <p:cNvPr id="3" name="Text Placeholder 2">
             <a:extLst>
               <a:ext uri="{FF2B5EF4-FFF2-40B4-BE49-F238E27FC236}">
-                <a16:creationId xmlns:a16="http://schemas.microsoft.com/office/drawing/2014/main" xmlns="" id="{AE98FC63-C8D2-4CE6-A3F1-EE8ED24590C4}"/>
+                <a16:creationId xmlns="" xmlns:a16="http://schemas.microsoft.com/office/drawing/2014/main" id="{AE98FC63-C8D2-4CE6-A3F1-EE8ED24590C4}"/>
               </a:ext>
             </a:extLst>
           </p:cNvPr>
@@ -7293,7 +7287,7 @@
           <p:cNvPr id="4" name="Date Placeholder 3">
             <a:extLst>
               <a:ext uri="{FF2B5EF4-FFF2-40B4-BE49-F238E27FC236}">
-                <a16:creationId xmlns:a16="http://schemas.microsoft.com/office/drawing/2014/main" xmlns="" id="{EED77A09-15C2-4E47-948E-AACAFCA47D40}"/>
+                <a16:creationId xmlns="" xmlns:a16="http://schemas.microsoft.com/office/drawing/2014/main" id="{EED77A09-15C2-4E47-948E-AACAFCA47D40}"/>
               </a:ext>
             </a:extLst>
           </p:cNvPr>
@@ -7340,7 +7334,7 @@
           <p:cNvPr id="5" name="Footer Placeholder 4">
             <a:extLst>
               <a:ext uri="{FF2B5EF4-FFF2-40B4-BE49-F238E27FC236}">
-                <a16:creationId xmlns:a16="http://schemas.microsoft.com/office/drawing/2014/main" xmlns="" id="{60567522-C3B6-46EB-A361-BEC2510B00CA}"/>
+                <a16:creationId xmlns="" xmlns:a16="http://schemas.microsoft.com/office/drawing/2014/main" id="{60567522-C3B6-46EB-A361-BEC2510B00CA}"/>
               </a:ext>
             </a:extLst>
           </p:cNvPr>
@@ -7384,7 +7378,7 @@
           <p:cNvPr id="6" name="Slide Number Placeholder 5">
             <a:extLst>
               <a:ext uri="{FF2B5EF4-FFF2-40B4-BE49-F238E27FC236}">
-                <a16:creationId xmlns:a16="http://schemas.microsoft.com/office/drawing/2014/main" xmlns="" id="{CDC57CF0-034F-450D-937C-718D5AF1A059}"/>
+                <a16:creationId xmlns="" xmlns:a16="http://schemas.microsoft.com/office/drawing/2014/main" id="{CDC57CF0-034F-450D-937C-718D5AF1A059}"/>
               </a:ext>
             </a:extLst>
           </p:cNvPr>
@@ -7729,7 +7723,7 @@
   </p:txStyles>
   <p:extLst>
     <p:ext uri="{27BBF7A9-308A-43DC-89C8-2F10F3537804}">
-      <p15:sldGuideLst xmlns:p15="http://schemas.microsoft.com/office/powerpoint/2012/main" xmlns="">
+      <p15:sldGuideLst xmlns="" xmlns:p15="http://schemas.microsoft.com/office/powerpoint/2012/main">
         <p15:guide id="1" orient="horz" pos="2160" userDrawn="1">
           <p15:clr>
             <a:srgbClr val="A4A3A4"/>
@@ -7838,7 +7832,7 @@
           <p:cNvPr id="2" name="Title 1">
             <a:extLst>
               <a:ext uri="{FF2B5EF4-FFF2-40B4-BE49-F238E27FC236}">
-                <a16:creationId xmlns:a16="http://schemas.microsoft.com/office/drawing/2014/main" xmlns="" id="{51DF3D98-3C30-4CFC-8643-C81E829C8C25}"/>
+                <a16:creationId xmlns="" xmlns:a16="http://schemas.microsoft.com/office/drawing/2014/main" id="{51DF3D98-3C30-4CFC-8643-C81E829C8C25}"/>
               </a:ext>
             </a:extLst>
           </p:cNvPr>
@@ -7880,558 +7874,6 @@
 </file>
 
 <file path=ppt/slides/slide10.xml><?xml version="1.0" encoding="utf-8"?>
-<p:sld xmlns:a="http://schemas.openxmlformats.org/drawingml/2006/main" xmlns:r="http://schemas.openxmlformats.org/officeDocument/2006/relationships" xmlns:p="http://schemas.openxmlformats.org/presentationml/2006/main">
-  <p:cSld>
-    <p:spTree>
-      <p:nvGrpSpPr>
-        <p:cNvPr id="1" name=""/>
-        <p:cNvGrpSpPr/>
-        <p:nvPr/>
-      </p:nvGrpSpPr>
-      <p:grpSpPr>
-        <a:xfrm>
-          <a:off x="0" y="0"/>
-          <a:ext cx="0" cy="0"/>
-          <a:chOff x="0" y="0"/>
-          <a:chExt cx="0" cy="0"/>
-        </a:xfrm>
-      </p:grpSpPr>
-      <p:sp>
-        <p:nvSpPr>
-          <p:cNvPr id="2" name="Title 1">
-            <a:extLst>
-              <a:ext uri="{FF2B5EF4-FFF2-40B4-BE49-F238E27FC236}">
-                <a16:creationId xmlns:a16="http://schemas.microsoft.com/office/drawing/2014/main" xmlns="" id="{05F66F9C-A8DA-CF01-FDDB-134A26B63650}"/>
-              </a:ext>
-            </a:extLst>
-          </p:cNvPr>
-          <p:cNvSpPr>
-            <a:spLocks noGrp="1"/>
-          </p:cNvSpPr>
-          <p:nvPr>
-            <p:ph type="title"/>
-          </p:nvPr>
-        </p:nvSpPr>
-        <p:spPr>
-          <a:xfrm>
-            <a:off x="1167492" y="136526"/>
-            <a:ext cx="9779183" cy="1570038"/>
-          </a:xfrm>
-        </p:spPr>
-        <p:txBody>
-          <a:bodyPr anchor="b">
-            <a:normAutofit/>
-          </a:bodyPr>
-          <a:lstStyle/>
-          <a:p>
-            <a:r>
-              <a:rPr lang="en-US" dirty="0"/>
-              <a:t>Average collisions comparisons</a:t>
-            </a:r>
-          </a:p>
-        </p:txBody>
-      </p:sp>
-      <p:pic>
-        <p:nvPicPr>
-          <p:cNvPr id="7" name="Content Placeholder 6" descr="A graph with different colored lines&#10;&#10;Description automatically generated">
-            <a:extLst>
-              <a:ext uri="{FF2B5EF4-FFF2-40B4-BE49-F238E27FC236}">
-                <a16:creationId xmlns:a16="http://schemas.microsoft.com/office/drawing/2014/main" xmlns="" id="{4FAD97F6-2519-EF50-D4C3-2E000F317376}"/>
-              </a:ext>
-            </a:extLst>
-          </p:cNvPr>
-          <p:cNvPicPr>
-            <a:picLocks noGrp="1" noChangeAspect="1"/>
-          </p:cNvPicPr>
-          <p:nvPr>
-            <p:ph idx="1"/>
-          </p:nvPr>
-        </p:nvPicPr>
-        <p:blipFill>
-          <a:blip r:embed="rId2"/>
-          <a:stretch>
-            <a:fillRect/>
-          </a:stretch>
-        </p:blipFill>
-        <p:spPr>
-          <a:xfrm>
-            <a:off x="1686279" y="2158279"/>
-            <a:ext cx="8022569" cy="3854594"/>
-          </a:xfrm>
-        </p:spPr>
-      </p:pic>
-    </p:spTree>
-    <p:extLst>
-      <p:ext uri="{BB962C8B-B14F-4D97-AF65-F5344CB8AC3E}">
-        <p14:creationId xmlns:p14="http://schemas.microsoft.com/office/powerpoint/2010/main" val="2927406200"/>
-      </p:ext>
-    </p:extLst>
-  </p:cSld>
-  <p:clrMapOvr>
-    <a:masterClrMapping/>
-  </p:clrMapOvr>
-</p:sld>
-</file>
-
-<file path=ppt/slides/slide11.xml><?xml version="1.0" encoding="utf-8"?>
-<p:sld xmlns:a="http://schemas.openxmlformats.org/drawingml/2006/main" xmlns:r="http://schemas.openxmlformats.org/officeDocument/2006/relationships" xmlns:p="http://schemas.openxmlformats.org/presentationml/2006/main">
-  <p:cSld>
-    <p:spTree>
-      <p:nvGrpSpPr>
-        <p:cNvPr id="1" name=""/>
-        <p:cNvGrpSpPr/>
-        <p:nvPr/>
-      </p:nvGrpSpPr>
-      <p:grpSpPr>
-        <a:xfrm>
-          <a:off x="0" y="0"/>
-          <a:ext cx="0" cy="0"/>
-          <a:chOff x="0" y="0"/>
-          <a:chExt cx="0" cy="0"/>
-        </a:xfrm>
-      </p:grpSpPr>
-      <p:sp>
-        <p:nvSpPr>
-          <p:cNvPr id="2" name="Title 1">
-            <a:extLst>
-              <a:ext uri="{FF2B5EF4-FFF2-40B4-BE49-F238E27FC236}">
-                <a16:creationId xmlns:a16="http://schemas.microsoft.com/office/drawing/2014/main" xmlns="" id="{05F66F9C-A8DA-CF01-FDDB-134A26B63650}"/>
-              </a:ext>
-            </a:extLst>
-          </p:cNvPr>
-          <p:cNvSpPr>
-            <a:spLocks noGrp="1"/>
-          </p:cNvSpPr>
-          <p:nvPr>
-            <p:ph type="title"/>
-          </p:nvPr>
-        </p:nvSpPr>
-        <p:spPr>
-          <a:xfrm>
-            <a:off x="1167492" y="136526"/>
-            <a:ext cx="9779183" cy="1570038"/>
-          </a:xfrm>
-        </p:spPr>
-        <p:txBody>
-          <a:bodyPr anchor="b">
-            <a:normAutofit/>
-          </a:bodyPr>
-          <a:lstStyle/>
-          <a:p>
-            <a:r>
-              <a:rPr lang="en-US" dirty="0"/>
-              <a:t>Average collisions comparisons</a:t>
-            </a:r>
-          </a:p>
-        </p:txBody>
-      </p:sp>
-      <p:pic>
-        <p:nvPicPr>
-          <p:cNvPr id="7" name="Content Placeholder 6" descr="A screen shot of a graph&#10;&#10;Description automatically generated">
-            <a:extLst>
-              <a:ext uri="{FF2B5EF4-FFF2-40B4-BE49-F238E27FC236}">
-                <a16:creationId xmlns:a16="http://schemas.microsoft.com/office/drawing/2014/main" xmlns="" id="{D2BE620B-F49C-40C1-E028-430C39A79AB9}"/>
-              </a:ext>
-            </a:extLst>
-          </p:cNvPr>
-          <p:cNvPicPr>
-            <a:picLocks noGrp="1" noChangeAspect="1"/>
-          </p:cNvPicPr>
-          <p:nvPr>
-            <p:ph idx="1"/>
-          </p:nvPr>
-        </p:nvPicPr>
-        <p:blipFill>
-          <a:blip r:embed="rId2"/>
-          <a:stretch>
-            <a:fillRect/>
-          </a:stretch>
-        </p:blipFill>
-        <p:spPr>
-          <a:xfrm>
-            <a:off x="2103939" y="2176752"/>
-            <a:ext cx="7984121" cy="3836121"/>
-          </a:xfrm>
-        </p:spPr>
-      </p:pic>
-    </p:spTree>
-    <p:extLst>
-      <p:ext uri="{BB962C8B-B14F-4D97-AF65-F5344CB8AC3E}">
-        <p14:creationId xmlns:p14="http://schemas.microsoft.com/office/powerpoint/2010/main" val="3299290205"/>
-      </p:ext>
-    </p:extLst>
-  </p:cSld>
-  <p:clrMapOvr>
-    <a:masterClrMapping/>
-  </p:clrMapOvr>
-</p:sld>
-</file>
-
-<file path=ppt/slides/slide12.xml><?xml version="1.0" encoding="utf-8"?>
-<p:sld xmlns:a="http://schemas.openxmlformats.org/drawingml/2006/main" xmlns:r="http://schemas.openxmlformats.org/officeDocument/2006/relationships" xmlns:p="http://schemas.openxmlformats.org/presentationml/2006/main">
-  <p:cSld>
-    <p:spTree>
-      <p:nvGrpSpPr>
-        <p:cNvPr id="1" name=""/>
-        <p:cNvGrpSpPr/>
-        <p:nvPr/>
-      </p:nvGrpSpPr>
-      <p:grpSpPr>
-        <a:xfrm>
-          <a:off x="0" y="0"/>
-          <a:ext cx="0" cy="0"/>
-          <a:chOff x="0" y="0"/>
-          <a:chExt cx="0" cy="0"/>
-        </a:xfrm>
-      </p:grpSpPr>
-      <p:sp>
-        <p:nvSpPr>
-          <p:cNvPr id="2" name="Title 1">
-            <a:extLst>
-              <a:ext uri="{FF2B5EF4-FFF2-40B4-BE49-F238E27FC236}">
-                <a16:creationId xmlns:a16="http://schemas.microsoft.com/office/drawing/2014/main" xmlns="" id="{05F66F9C-A8DA-CF01-FDDB-134A26B63650}"/>
-              </a:ext>
-            </a:extLst>
-          </p:cNvPr>
-          <p:cNvSpPr>
-            <a:spLocks noGrp="1"/>
-          </p:cNvSpPr>
-          <p:nvPr>
-            <p:ph type="title"/>
-          </p:nvPr>
-        </p:nvSpPr>
-        <p:spPr>
-          <a:xfrm>
-            <a:off x="1167492" y="136526"/>
-            <a:ext cx="9779183" cy="1570038"/>
-          </a:xfrm>
-        </p:spPr>
-        <p:txBody>
-          <a:bodyPr anchor="b">
-            <a:normAutofit/>
-          </a:bodyPr>
-          <a:lstStyle/>
-          <a:p>
-            <a:r>
-              <a:rPr lang="en-US" dirty="0"/>
-              <a:t>Average collisions comparisons</a:t>
-            </a:r>
-          </a:p>
-        </p:txBody>
-      </p:sp>
-      <p:pic>
-        <p:nvPicPr>
-          <p:cNvPr id="7" name="Content Placeholder 6" descr="A graph with colorful lines&#10;&#10;Description automatically generated">
-            <a:extLst>
-              <a:ext uri="{FF2B5EF4-FFF2-40B4-BE49-F238E27FC236}">
-                <a16:creationId xmlns:a16="http://schemas.microsoft.com/office/drawing/2014/main" xmlns="" id="{EFD096E7-92E0-4C69-0E80-977268C52577}"/>
-              </a:ext>
-            </a:extLst>
-          </p:cNvPr>
-          <p:cNvPicPr>
-            <a:picLocks noGrp="1" noChangeAspect="1"/>
-          </p:cNvPicPr>
-          <p:nvPr>
-            <p:ph idx="1"/>
-          </p:nvPr>
-        </p:nvPicPr>
-        <p:blipFill>
-          <a:blip r:embed="rId2"/>
-          <a:stretch>
-            <a:fillRect/>
-          </a:stretch>
-        </p:blipFill>
-        <p:spPr>
-          <a:xfrm>
-            <a:off x="3252030" y="2093624"/>
-            <a:ext cx="5687940" cy="4265955"/>
-          </a:xfrm>
-        </p:spPr>
-      </p:pic>
-    </p:spTree>
-    <p:extLst>
-      <p:ext uri="{BB962C8B-B14F-4D97-AF65-F5344CB8AC3E}">
-        <p14:creationId xmlns:p14="http://schemas.microsoft.com/office/powerpoint/2010/main" val="2286217647"/>
-      </p:ext>
-    </p:extLst>
-  </p:cSld>
-  <p:clrMapOvr>
-    <a:masterClrMapping/>
-  </p:clrMapOvr>
-</p:sld>
-</file>
-
-<file path=ppt/slides/slide13.xml><?xml version="1.0" encoding="utf-8"?>
-<p:sld xmlns:a="http://schemas.openxmlformats.org/drawingml/2006/main" xmlns:r="http://schemas.openxmlformats.org/officeDocument/2006/relationships" xmlns:p="http://schemas.openxmlformats.org/presentationml/2006/main">
-  <p:cSld>
-    <p:spTree>
-      <p:nvGrpSpPr>
-        <p:cNvPr id="1" name=""/>
-        <p:cNvGrpSpPr/>
-        <p:nvPr/>
-      </p:nvGrpSpPr>
-      <p:grpSpPr>
-        <a:xfrm>
-          <a:off x="0" y="0"/>
-          <a:ext cx="0" cy="0"/>
-          <a:chOff x="0" y="0"/>
-          <a:chExt cx="0" cy="0"/>
-        </a:xfrm>
-      </p:grpSpPr>
-      <p:sp>
-        <p:nvSpPr>
-          <p:cNvPr id="2" name="Title 1">
-            <a:extLst>
-              <a:ext uri="{FF2B5EF4-FFF2-40B4-BE49-F238E27FC236}">
-                <a16:creationId xmlns:a16="http://schemas.microsoft.com/office/drawing/2014/main" xmlns="" id="{05F66F9C-A8DA-CF01-FDDB-134A26B63650}"/>
-              </a:ext>
-            </a:extLst>
-          </p:cNvPr>
-          <p:cNvSpPr>
-            <a:spLocks noGrp="1"/>
-          </p:cNvSpPr>
-          <p:nvPr>
-            <p:ph type="title"/>
-          </p:nvPr>
-        </p:nvSpPr>
-        <p:spPr>
-          <a:xfrm>
-            <a:off x="1167492" y="136526"/>
-            <a:ext cx="9779183" cy="1570038"/>
-          </a:xfrm>
-        </p:spPr>
-        <p:txBody>
-          <a:bodyPr anchor="b">
-            <a:normAutofit/>
-          </a:bodyPr>
-          <a:lstStyle/>
-          <a:p>
-            <a:r>
-              <a:rPr lang="en-US" dirty="0"/>
-              <a:t>Average collisions comparisons</a:t>
-            </a:r>
-          </a:p>
-        </p:txBody>
-      </p:sp>
-      <p:pic>
-        <p:nvPicPr>
-          <p:cNvPr id="7" name="Content Placeholder 6" descr="A graph with numbers and a line&#10;&#10;Description automatically generated with medium confidence">
-            <a:extLst>
-              <a:ext uri="{FF2B5EF4-FFF2-40B4-BE49-F238E27FC236}">
-                <a16:creationId xmlns:a16="http://schemas.microsoft.com/office/drawing/2014/main" xmlns="" id="{ABB07BBA-E66A-9D3A-DC78-719C0410D18A}"/>
-              </a:ext>
-            </a:extLst>
-          </p:cNvPr>
-          <p:cNvPicPr>
-            <a:picLocks noGrp="1" noChangeAspect="1"/>
-          </p:cNvPicPr>
-          <p:nvPr>
-            <p:ph idx="1"/>
-          </p:nvPr>
-        </p:nvPicPr>
-        <p:blipFill>
-          <a:blip r:embed="rId2"/>
-          <a:stretch>
-            <a:fillRect/>
-          </a:stretch>
-        </p:blipFill>
-        <p:spPr>
-          <a:xfrm>
-            <a:off x="1950150" y="2287588"/>
-            <a:ext cx="8291699" cy="3983903"/>
-          </a:xfrm>
-        </p:spPr>
-      </p:pic>
-    </p:spTree>
-    <p:extLst>
-      <p:ext uri="{BB962C8B-B14F-4D97-AF65-F5344CB8AC3E}">
-        <p14:creationId xmlns:p14="http://schemas.microsoft.com/office/powerpoint/2010/main" val="2428434349"/>
-      </p:ext>
-    </p:extLst>
-  </p:cSld>
-  <p:clrMapOvr>
-    <a:masterClrMapping/>
-  </p:clrMapOvr>
-</p:sld>
-</file>
-
-<file path=ppt/slides/slide14.xml><?xml version="1.0" encoding="utf-8"?>
-<p:sld xmlns:a="http://schemas.openxmlformats.org/drawingml/2006/main" xmlns:r="http://schemas.openxmlformats.org/officeDocument/2006/relationships" xmlns:p="http://schemas.openxmlformats.org/presentationml/2006/main">
-  <p:cSld>
-    <p:spTree>
-      <p:nvGrpSpPr>
-        <p:cNvPr id="1" name=""/>
-        <p:cNvGrpSpPr/>
-        <p:nvPr/>
-      </p:nvGrpSpPr>
-      <p:grpSpPr>
-        <a:xfrm>
-          <a:off x="0" y="0"/>
-          <a:ext cx="0" cy="0"/>
-          <a:chOff x="0" y="0"/>
-          <a:chExt cx="0" cy="0"/>
-        </a:xfrm>
-      </p:grpSpPr>
-      <p:sp>
-        <p:nvSpPr>
-          <p:cNvPr id="2" name="Title 1">
-            <a:extLst>
-              <a:ext uri="{FF2B5EF4-FFF2-40B4-BE49-F238E27FC236}">
-                <a16:creationId xmlns:a16="http://schemas.microsoft.com/office/drawing/2014/main" xmlns="" id="{05F66F9C-A8DA-CF01-FDDB-134A26B63650}"/>
-              </a:ext>
-            </a:extLst>
-          </p:cNvPr>
-          <p:cNvSpPr>
-            <a:spLocks noGrp="1"/>
-          </p:cNvSpPr>
-          <p:nvPr>
-            <p:ph type="title"/>
-          </p:nvPr>
-        </p:nvSpPr>
-        <p:spPr>
-          <a:xfrm>
-            <a:off x="1167492" y="136526"/>
-            <a:ext cx="9779183" cy="1570038"/>
-          </a:xfrm>
-        </p:spPr>
-        <p:txBody>
-          <a:bodyPr anchor="b">
-            <a:normAutofit/>
-          </a:bodyPr>
-          <a:lstStyle/>
-          <a:p>
-            <a:r>
-              <a:rPr lang="en-US" dirty="0"/>
-              <a:t>Average collisions comparisons</a:t>
-            </a:r>
-          </a:p>
-        </p:txBody>
-      </p:sp>
-      <p:pic>
-        <p:nvPicPr>
-          <p:cNvPr id="7" name="Content Placeholder 6" descr="A graph with colorful lines&#10;&#10;Description automatically generated">
-            <a:extLst>
-              <a:ext uri="{FF2B5EF4-FFF2-40B4-BE49-F238E27FC236}">
-                <a16:creationId xmlns:a16="http://schemas.microsoft.com/office/drawing/2014/main" xmlns="" id="{43F05201-5CBB-4BEE-69D6-35EB68F87FF7}"/>
-              </a:ext>
-            </a:extLst>
-          </p:cNvPr>
-          <p:cNvPicPr>
-            <a:picLocks noGrp="1" noChangeAspect="1"/>
-          </p:cNvPicPr>
-          <p:nvPr>
-            <p:ph idx="1"/>
-          </p:nvPr>
-        </p:nvPicPr>
-        <p:blipFill>
-          <a:blip r:embed="rId2"/>
-          <a:stretch>
-            <a:fillRect/>
-          </a:stretch>
-        </p:blipFill>
-        <p:spPr>
-          <a:xfrm>
-            <a:off x="3307448" y="2075151"/>
-            <a:ext cx="5577104" cy="4182828"/>
-          </a:xfrm>
-        </p:spPr>
-      </p:pic>
-    </p:spTree>
-    <p:extLst>
-      <p:ext uri="{BB962C8B-B14F-4D97-AF65-F5344CB8AC3E}">
-        <p14:creationId xmlns:p14="http://schemas.microsoft.com/office/powerpoint/2010/main" val="1937127518"/>
-      </p:ext>
-    </p:extLst>
-  </p:cSld>
-  <p:clrMapOvr>
-    <a:masterClrMapping/>
-  </p:clrMapOvr>
-</p:sld>
-</file>
-
-<file path=ppt/slides/slide15.xml><?xml version="1.0" encoding="utf-8"?>
-<p:sld xmlns:a="http://schemas.openxmlformats.org/drawingml/2006/main" xmlns:r="http://schemas.openxmlformats.org/officeDocument/2006/relationships" xmlns:p="http://schemas.openxmlformats.org/presentationml/2006/main">
-  <p:cSld>
-    <p:spTree>
-      <p:nvGrpSpPr>
-        <p:cNvPr id="1" name=""/>
-        <p:cNvGrpSpPr/>
-        <p:nvPr/>
-      </p:nvGrpSpPr>
-      <p:grpSpPr>
-        <a:xfrm>
-          <a:off x="0" y="0"/>
-          <a:ext cx="0" cy="0"/>
-          <a:chOff x="0" y="0"/>
-          <a:chExt cx="0" cy="0"/>
-        </a:xfrm>
-      </p:grpSpPr>
-      <p:sp>
-        <p:nvSpPr>
-          <p:cNvPr id="2" name="Title 1"/>
-          <p:cNvSpPr>
-            <a:spLocks noGrp="1"/>
-          </p:cNvSpPr>
-          <p:nvPr>
-            <p:ph type="title"/>
-          </p:nvPr>
-        </p:nvSpPr>
-        <p:spPr/>
-        <p:txBody>
-          <a:bodyPr/>
-          <a:lstStyle/>
-          <a:p>
-            <a:r>
-              <a:rPr lang="en-US" dirty="0" smtClean="0"/>
-              <a:t>Number of batch Collision O(N)</a:t>
-            </a:r>
-            <a:endParaRPr lang="en-US" dirty="0"/>
-          </a:p>
-        </p:txBody>
-      </p:sp>
-      <p:pic>
-        <p:nvPicPr>
-          <p:cNvPr id="4" name="Content Placeholder 3"/>
-          <p:cNvPicPr>
-            <a:picLocks noGrp="1" noChangeAspect="1"/>
-          </p:cNvPicPr>
-          <p:nvPr>
-            <p:ph idx="1"/>
-          </p:nvPr>
-        </p:nvPicPr>
-        <p:blipFill>
-          <a:blip r:embed="rId2">
-            <a:extLst>
-              <a:ext uri="{28A0092B-C50C-407E-A947-70E740481C1C}">
-                <a14:useLocalDpi xmlns:a14="http://schemas.microsoft.com/office/drawing/2010/main" val="0"/>
-              </a:ext>
-            </a:extLst>
-          </a:blip>
-          <a:stretch>
-            <a:fillRect/>
-          </a:stretch>
-        </p:blipFill>
-        <p:spPr>
-          <a:xfrm>
-            <a:off x="2553146" y="2084388"/>
-            <a:ext cx="7007920" cy="3367087"/>
-          </a:xfrm>
-        </p:spPr>
-      </p:pic>
-    </p:spTree>
-    <p:extLst>
-      <p:ext uri="{BB962C8B-B14F-4D97-AF65-F5344CB8AC3E}">
-        <p14:creationId xmlns:p14="http://schemas.microsoft.com/office/powerpoint/2010/main" val="1219512510"/>
-      </p:ext>
-    </p:extLst>
-  </p:cSld>
-  <p:clrMapOvr>
-    <a:masterClrMapping/>
-  </p:clrMapOvr>
-</p:sld>
-</file>
-
-<file path=ppt/slides/slide16.xml><?xml version="1.0" encoding="utf-8"?>
 <p:sld xmlns:a="http://schemas.openxmlformats.org/drawingml/2006/main" xmlns:r="http://schemas.openxmlformats.org/officeDocument/2006/relationships" xmlns:p="http://schemas.openxmlformats.org/presentationml/2006/main">
   <p:cSld>
     <p:spTree>
@@ -8520,7 +7962,7 @@
 </p:sld>
 </file>
 
-<file path=ppt/slides/slide17.xml><?xml version="1.0" encoding="utf-8"?>
+<file path=ppt/slides/slide11.xml><?xml version="1.0" encoding="utf-8"?>
 <p:sld xmlns:a="http://schemas.openxmlformats.org/drawingml/2006/main" xmlns:r="http://schemas.openxmlformats.org/officeDocument/2006/relationships" xmlns:p="http://schemas.openxmlformats.org/presentationml/2006/main">
   <p:cSld>
     <p:spTree>
@@ -8605,7 +8047,7 @@
 </p:sld>
 </file>
 
-<file path=ppt/slides/slide18.xml><?xml version="1.0" encoding="utf-8"?>
+<file path=ppt/slides/slide12.xml><?xml version="1.0" encoding="utf-8"?>
 <p:sld xmlns:a="http://schemas.openxmlformats.org/drawingml/2006/main" xmlns:r="http://schemas.openxmlformats.org/officeDocument/2006/relationships" xmlns:p="http://schemas.openxmlformats.org/presentationml/2006/main">
   <p:cSld>
     <p:spTree>
@@ -8687,7 +8129,7 @@
 </p:sld>
 </file>
 
-<file path=ppt/slides/slide19.xml><?xml version="1.0" encoding="utf-8"?>
+<file path=ppt/slides/slide13.xml><?xml version="1.0" encoding="utf-8"?>
 <p:sld xmlns:a="http://schemas.openxmlformats.org/drawingml/2006/main" xmlns:r="http://schemas.openxmlformats.org/officeDocument/2006/relationships" xmlns:p="http://schemas.openxmlformats.org/presentationml/2006/main">
   <p:cSld>
     <p:spTree>
@@ -8769,6 +8211,504 @@
 </p:sld>
 </file>
 
+<file path=ppt/slides/slide14.xml><?xml version="1.0" encoding="utf-8"?>
+<p:sld xmlns:a="http://schemas.openxmlformats.org/drawingml/2006/main" xmlns:r="http://schemas.openxmlformats.org/officeDocument/2006/relationships" xmlns:p="http://schemas.openxmlformats.org/presentationml/2006/main">
+  <p:cSld>
+    <p:spTree>
+      <p:nvGrpSpPr>
+        <p:cNvPr id="1" name=""/>
+        <p:cNvGrpSpPr/>
+        <p:nvPr/>
+      </p:nvGrpSpPr>
+      <p:grpSpPr>
+        <a:xfrm>
+          <a:off x="0" y="0"/>
+          <a:ext cx="0" cy="0"/>
+          <a:chOff x="0" y="0"/>
+          <a:chExt cx="0" cy="0"/>
+        </a:xfrm>
+      </p:grpSpPr>
+      <p:sp>
+        <p:nvSpPr>
+          <p:cNvPr id="2" name="Title 1"/>
+          <p:cNvSpPr>
+            <a:spLocks noGrp="1"/>
+          </p:cNvSpPr>
+          <p:nvPr>
+            <p:ph type="title"/>
+          </p:nvPr>
+        </p:nvSpPr>
+        <p:spPr/>
+        <p:txBody>
+          <a:bodyPr/>
+          <a:lstStyle/>
+          <a:p>
+            <a:r>
+              <a:rPr lang="en-US" dirty="0" smtClean="0"/>
+              <a:t>Number of single rebuild O(N)</a:t>
+            </a:r>
+            <a:endParaRPr lang="en-US" dirty="0"/>
+          </a:p>
+        </p:txBody>
+      </p:sp>
+      <p:pic>
+        <p:nvPicPr>
+          <p:cNvPr id="4" name="Content Placeholder 3"/>
+          <p:cNvPicPr>
+            <a:picLocks noGrp="1" noChangeAspect="1"/>
+          </p:cNvPicPr>
+          <p:nvPr>
+            <p:ph idx="1"/>
+          </p:nvPr>
+        </p:nvPicPr>
+        <p:blipFill>
+          <a:blip r:embed="rId2">
+            <a:extLst>
+              <a:ext uri="{28A0092B-C50C-407E-A947-70E740481C1C}">
+                <a14:useLocalDpi xmlns:a14="http://schemas.microsoft.com/office/drawing/2010/main" val="0"/>
+              </a:ext>
+            </a:extLst>
+          </a:blip>
+          <a:stretch>
+            <a:fillRect/>
+          </a:stretch>
+        </p:blipFill>
+        <p:spPr>
+          <a:xfrm>
+            <a:off x="3251201" y="2084388"/>
+            <a:ext cx="5611811" cy="3367087"/>
+          </a:xfrm>
+        </p:spPr>
+      </p:pic>
+    </p:spTree>
+    <p:extLst>
+      <p:ext uri="{BB962C8B-B14F-4D97-AF65-F5344CB8AC3E}">
+        <p14:creationId xmlns:p14="http://schemas.microsoft.com/office/powerpoint/2010/main" val="3036846089"/>
+      </p:ext>
+    </p:extLst>
+  </p:cSld>
+  <p:clrMapOvr>
+    <a:masterClrMapping/>
+  </p:clrMapOvr>
+</p:sld>
+</file>
+
+<file path=ppt/slides/slide15.xml><?xml version="1.0" encoding="utf-8"?>
+<p:sld xmlns:a="http://schemas.openxmlformats.org/drawingml/2006/main" xmlns:r="http://schemas.openxmlformats.org/officeDocument/2006/relationships" xmlns:p="http://schemas.openxmlformats.org/presentationml/2006/main">
+  <p:cSld>
+    <p:spTree>
+      <p:nvGrpSpPr>
+        <p:cNvPr id="1" name=""/>
+        <p:cNvGrpSpPr/>
+        <p:nvPr/>
+      </p:nvGrpSpPr>
+      <p:grpSpPr>
+        <a:xfrm>
+          <a:off x="0" y="0"/>
+          <a:ext cx="0" cy="0"/>
+          <a:chOff x="0" y="0"/>
+          <a:chExt cx="0" cy="0"/>
+        </a:xfrm>
+      </p:grpSpPr>
+      <p:sp>
+        <p:nvSpPr>
+          <p:cNvPr id="2" name="Title 1"/>
+          <p:cNvSpPr>
+            <a:spLocks noGrp="1"/>
+          </p:cNvSpPr>
+          <p:nvPr>
+            <p:ph type="title"/>
+          </p:nvPr>
+        </p:nvSpPr>
+        <p:spPr/>
+        <p:txBody>
+          <a:bodyPr/>
+          <a:lstStyle/>
+          <a:p>
+            <a:r>
+              <a:rPr lang="en-US" dirty="0" smtClean="0"/>
+              <a:t>Single insert table size O(N)</a:t>
+            </a:r>
+            <a:endParaRPr lang="en-US" dirty="0"/>
+          </a:p>
+        </p:txBody>
+      </p:sp>
+      <p:pic>
+        <p:nvPicPr>
+          <p:cNvPr id="4" name="Content Placeholder 3"/>
+          <p:cNvPicPr>
+            <a:picLocks noGrp="1" noChangeAspect="1"/>
+          </p:cNvPicPr>
+          <p:nvPr>
+            <p:ph idx="1"/>
+          </p:nvPr>
+        </p:nvPicPr>
+        <p:blipFill>
+          <a:blip r:embed="rId2">
+            <a:extLst>
+              <a:ext uri="{28A0092B-C50C-407E-A947-70E740481C1C}">
+                <a14:useLocalDpi xmlns:a14="http://schemas.microsoft.com/office/drawing/2010/main" val="0"/>
+              </a:ext>
+            </a:extLst>
+          </a:blip>
+          <a:stretch>
+            <a:fillRect/>
+          </a:stretch>
+        </p:blipFill>
+        <p:spPr>
+          <a:xfrm>
+            <a:off x="3251201" y="2084388"/>
+            <a:ext cx="5611811" cy="3367087"/>
+          </a:xfrm>
+        </p:spPr>
+      </p:pic>
+    </p:spTree>
+    <p:extLst>
+      <p:ext uri="{BB962C8B-B14F-4D97-AF65-F5344CB8AC3E}">
+        <p14:creationId xmlns:p14="http://schemas.microsoft.com/office/powerpoint/2010/main" val="1590692308"/>
+      </p:ext>
+    </p:extLst>
+  </p:cSld>
+  <p:clrMapOvr>
+    <a:masterClrMapping/>
+  </p:clrMapOvr>
+</p:sld>
+</file>
+
+<file path=ppt/slides/slide16.xml><?xml version="1.0" encoding="utf-8"?>
+<p:sld xmlns:a="http://schemas.openxmlformats.org/drawingml/2006/main" xmlns:r="http://schemas.openxmlformats.org/officeDocument/2006/relationships" xmlns:p="http://schemas.openxmlformats.org/presentationml/2006/main">
+  <p:cSld>
+    <p:spTree>
+      <p:nvGrpSpPr>
+        <p:cNvPr id="1" name=""/>
+        <p:cNvGrpSpPr/>
+        <p:nvPr/>
+      </p:nvGrpSpPr>
+      <p:grpSpPr>
+        <a:xfrm>
+          <a:off x="0" y="0"/>
+          <a:ext cx="0" cy="0"/>
+          <a:chOff x="0" y="0"/>
+          <a:chExt cx="0" cy="0"/>
+        </a:xfrm>
+      </p:grpSpPr>
+      <p:sp>
+        <p:nvSpPr>
+          <p:cNvPr id="2" name="Title 1"/>
+          <p:cNvSpPr>
+            <a:spLocks noGrp="1"/>
+          </p:cNvSpPr>
+          <p:nvPr>
+            <p:ph type="title"/>
+          </p:nvPr>
+        </p:nvSpPr>
+        <p:spPr/>
+        <p:txBody>
+          <a:bodyPr/>
+          <a:lstStyle/>
+          <a:p>
+            <a:r>
+              <a:rPr lang="en-US" dirty="0" smtClean="0"/>
+              <a:t>Single time O(N)</a:t>
+            </a:r>
+            <a:endParaRPr lang="en-US" dirty="0"/>
+          </a:p>
+        </p:txBody>
+      </p:sp>
+      <p:pic>
+        <p:nvPicPr>
+          <p:cNvPr id="4" name="Content Placeholder 3"/>
+          <p:cNvPicPr>
+            <a:picLocks noGrp="1" noChangeAspect="1"/>
+          </p:cNvPicPr>
+          <p:nvPr>
+            <p:ph idx="1"/>
+          </p:nvPr>
+        </p:nvPicPr>
+        <p:blipFill>
+          <a:blip r:embed="rId2">
+            <a:extLst>
+              <a:ext uri="{28A0092B-C50C-407E-A947-70E740481C1C}">
+                <a14:useLocalDpi xmlns:a14="http://schemas.microsoft.com/office/drawing/2010/main" val="0"/>
+              </a:ext>
+            </a:extLst>
+          </a:blip>
+          <a:stretch>
+            <a:fillRect/>
+          </a:stretch>
+        </p:blipFill>
+        <p:spPr>
+          <a:xfrm>
+            <a:off x="3251201" y="2084388"/>
+            <a:ext cx="5611811" cy="3367087"/>
+          </a:xfrm>
+        </p:spPr>
+      </p:pic>
+    </p:spTree>
+    <p:extLst>
+      <p:ext uri="{BB962C8B-B14F-4D97-AF65-F5344CB8AC3E}">
+        <p14:creationId xmlns:p14="http://schemas.microsoft.com/office/powerpoint/2010/main" val="2979726573"/>
+      </p:ext>
+    </p:extLst>
+  </p:cSld>
+  <p:clrMapOvr>
+    <a:masterClrMapping/>
+  </p:clrMapOvr>
+</p:sld>
+</file>
+
+<file path=ppt/slides/slide17.xml><?xml version="1.0" encoding="utf-8"?>
+<p:sld xmlns:a="http://schemas.openxmlformats.org/drawingml/2006/main" xmlns:r="http://schemas.openxmlformats.org/officeDocument/2006/relationships" xmlns:p="http://schemas.openxmlformats.org/presentationml/2006/main">
+  <p:cSld>
+    <p:spTree>
+      <p:nvGrpSpPr>
+        <p:cNvPr id="1" name=""/>
+        <p:cNvGrpSpPr/>
+        <p:nvPr/>
+      </p:nvGrpSpPr>
+      <p:grpSpPr>
+        <a:xfrm>
+          <a:off x="0" y="0"/>
+          <a:ext cx="0" cy="0"/>
+          <a:chOff x="0" y="0"/>
+          <a:chExt cx="0" cy="0"/>
+        </a:xfrm>
+      </p:grpSpPr>
+      <p:sp>
+        <p:nvSpPr>
+          <p:cNvPr id="2" name="Title 1"/>
+          <p:cNvSpPr>
+            <a:spLocks noGrp="1"/>
+          </p:cNvSpPr>
+          <p:nvPr>
+            <p:ph type="title"/>
+          </p:nvPr>
+        </p:nvSpPr>
+        <p:spPr/>
+        <p:txBody>
+          <a:bodyPr/>
+          <a:lstStyle/>
+          <a:p>
+            <a:r>
+              <a:rPr lang="en-US" dirty="0" smtClean="0"/>
+              <a:t>Number of batch collision O(N^2)</a:t>
+            </a:r>
+            <a:endParaRPr lang="en-US" dirty="0"/>
+          </a:p>
+        </p:txBody>
+      </p:sp>
+      <p:pic>
+        <p:nvPicPr>
+          <p:cNvPr id="4" name="Content Placeholder 3"/>
+          <p:cNvPicPr>
+            <a:picLocks noGrp="1" noChangeAspect="1"/>
+          </p:cNvPicPr>
+          <p:nvPr>
+            <p:ph idx="1"/>
+          </p:nvPr>
+        </p:nvPicPr>
+        <p:blipFill>
+          <a:blip r:embed="rId2">
+            <a:extLst>
+              <a:ext uri="{28A0092B-C50C-407E-A947-70E740481C1C}">
+                <a14:useLocalDpi xmlns:a14="http://schemas.microsoft.com/office/drawing/2010/main" val="0"/>
+              </a:ext>
+            </a:extLst>
+          </a:blip>
+          <a:stretch>
+            <a:fillRect/>
+          </a:stretch>
+        </p:blipFill>
+        <p:spPr>
+          <a:xfrm>
+            <a:off x="3251201" y="2084388"/>
+            <a:ext cx="5611811" cy="3367087"/>
+          </a:xfrm>
+        </p:spPr>
+      </p:pic>
+    </p:spTree>
+    <p:extLst>
+      <p:ext uri="{BB962C8B-B14F-4D97-AF65-F5344CB8AC3E}">
+        <p14:creationId xmlns:p14="http://schemas.microsoft.com/office/powerpoint/2010/main" val="1078320559"/>
+      </p:ext>
+    </p:extLst>
+  </p:cSld>
+  <p:clrMapOvr>
+    <a:masterClrMapping/>
+  </p:clrMapOvr>
+</p:sld>
+</file>
+
+<file path=ppt/slides/slide18.xml><?xml version="1.0" encoding="utf-8"?>
+<p:sld xmlns:a="http://schemas.openxmlformats.org/drawingml/2006/main" xmlns:r="http://schemas.openxmlformats.org/officeDocument/2006/relationships" xmlns:p="http://schemas.openxmlformats.org/presentationml/2006/main">
+  <p:cSld>
+    <p:spTree>
+      <p:nvGrpSpPr>
+        <p:cNvPr id="1" name=""/>
+        <p:cNvGrpSpPr/>
+        <p:nvPr/>
+      </p:nvGrpSpPr>
+      <p:grpSpPr>
+        <a:xfrm>
+          <a:off x="0" y="0"/>
+          <a:ext cx="0" cy="0"/>
+          <a:chOff x="0" y="0"/>
+          <a:chExt cx="0" cy="0"/>
+        </a:xfrm>
+      </p:grpSpPr>
+      <p:sp>
+        <p:nvSpPr>
+          <p:cNvPr id="2" name="Title 1"/>
+          <p:cNvSpPr>
+            <a:spLocks noGrp="1"/>
+          </p:cNvSpPr>
+          <p:nvPr>
+            <p:ph type="title"/>
+          </p:nvPr>
+        </p:nvSpPr>
+        <p:spPr/>
+        <p:txBody>
+          <a:bodyPr/>
+          <a:lstStyle/>
+          <a:p>
+            <a:r>
+              <a:rPr lang="en-US" dirty="0" smtClean="0"/>
+              <a:t>Number of batch rebuild </a:t>
+            </a:r>
+            <a:r>
+              <a:rPr lang="en-US" dirty="0"/>
+              <a:t>O(N^2)</a:t>
+            </a:r>
+          </a:p>
+        </p:txBody>
+      </p:sp>
+      <p:pic>
+        <p:nvPicPr>
+          <p:cNvPr id="4" name="Content Placeholder 3"/>
+          <p:cNvPicPr>
+            <a:picLocks noGrp="1" noChangeAspect="1"/>
+          </p:cNvPicPr>
+          <p:nvPr>
+            <p:ph idx="1"/>
+          </p:nvPr>
+        </p:nvPicPr>
+        <p:blipFill>
+          <a:blip r:embed="rId2">
+            <a:extLst>
+              <a:ext uri="{28A0092B-C50C-407E-A947-70E740481C1C}">
+                <a14:useLocalDpi xmlns:a14="http://schemas.microsoft.com/office/drawing/2010/main" val="0"/>
+              </a:ext>
+            </a:extLst>
+          </a:blip>
+          <a:stretch>
+            <a:fillRect/>
+          </a:stretch>
+        </p:blipFill>
+        <p:spPr>
+          <a:xfrm>
+            <a:off x="3251201" y="2084388"/>
+            <a:ext cx="5611811" cy="3367087"/>
+          </a:xfrm>
+        </p:spPr>
+      </p:pic>
+    </p:spTree>
+    <p:extLst>
+      <p:ext uri="{BB962C8B-B14F-4D97-AF65-F5344CB8AC3E}">
+        <p14:creationId xmlns:p14="http://schemas.microsoft.com/office/powerpoint/2010/main" val="2906163297"/>
+      </p:ext>
+    </p:extLst>
+  </p:cSld>
+  <p:clrMapOvr>
+    <a:masterClrMapping/>
+  </p:clrMapOvr>
+</p:sld>
+</file>
+
+<file path=ppt/slides/slide19.xml><?xml version="1.0" encoding="utf-8"?>
+<p:sld xmlns:a="http://schemas.openxmlformats.org/drawingml/2006/main" xmlns:r="http://schemas.openxmlformats.org/officeDocument/2006/relationships" xmlns:p="http://schemas.openxmlformats.org/presentationml/2006/main">
+  <p:cSld>
+    <p:spTree>
+      <p:nvGrpSpPr>
+        <p:cNvPr id="1" name=""/>
+        <p:cNvGrpSpPr/>
+        <p:nvPr/>
+      </p:nvGrpSpPr>
+      <p:grpSpPr>
+        <a:xfrm>
+          <a:off x="0" y="0"/>
+          <a:ext cx="0" cy="0"/>
+          <a:chOff x="0" y="0"/>
+          <a:chExt cx="0" cy="0"/>
+        </a:xfrm>
+      </p:grpSpPr>
+      <p:sp>
+        <p:nvSpPr>
+          <p:cNvPr id="2" name="Title 1"/>
+          <p:cNvSpPr>
+            <a:spLocks noGrp="1"/>
+          </p:cNvSpPr>
+          <p:nvPr>
+            <p:ph type="title"/>
+          </p:nvPr>
+        </p:nvSpPr>
+        <p:spPr/>
+        <p:txBody>
+          <a:bodyPr/>
+          <a:lstStyle/>
+          <a:p>
+            <a:r>
+              <a:rPr lang="en-US" dirty="0" smtClean="0"/>
+              <a:t>Table batch space O(N^2</a:t>
+            </a:r>
+            <a:r>
+              <a:rPr lang="en-US" dirty="0"/>
+              <a:t>)</a:t>
+            </a:r>
+          </a:p>
+        </p:txBody>
+      </p:sp>
+      <p:pic>
+        <p:nvPicPr>
+          <p:cNvPr id="4" name="Content Placeholder 3"/>
+          <p:cNvPicPr>
+            <a:picLocks noGrp="1" noChangeAspect="1"/>
+          </p:cNvPicPr>
+          <p:nvPr>
+            <p:ph idx="1"/>
+          </p:nvPr>
+        </p:nvPicPr>
+        <p:blipFill>
+          <a:blip r:embed="rId2">
+            <a:extLst>
+              <a:ext uri="{28A0092B-C50C-407E-A947-70E740481C1C}">
+                <a14:useLocalDpi xmlns:a14="http://schemas.microsoft.com/office/drawing/2010/main" val="0"/>
+              </a:ext>
+            </a:extLst>
+          </a:blip>
+          <a:stretch>
+            <a:fillRect/>
+          </a:stretch>
+        </p:blipFill>
+        <p:spPr>
+          <a:xfrm>
+            <a:off x="3251201" y="2084388"/>
+            <a:ext cx="5611811" cy="3367087"/>
+          </a:xfrm>
+        </p:spPr>
+      </p:pic>
+    </p:spTree>
+    <p:extLst>
+      <p:ext uri="{BB962C8B-B14F-4D97-AF65-F5344CB8AC3E}">
+        <p14:creationId xmlns:p14="http://schemas.microsoft.com/office/powerpoint/2010/main" val="2292813564"/>
+      </p:ext>
+    </p:extLst>
+  </p:cSld>
+  <p:clrMapOvr>
+    <a:masterClrMapping/>
+  </p:clrMapOvr>
+</p:sld>
+</file>
+
 <file path=ppt/slides/slide2.xml><?xml version="1.0" encoding="utf-8"?>
 <p:sld xmlns:a="http://schemas.openxmlformats.org/drawingml/2006/main" xmlns:r="http://schemas.openxmlformats.org/officeDocument/2006/relationships" xmlns:p="http://schemas.openxmlformats.org/presentationml/2006/main">
   <p:cSld>
@@ -8791,7 +8731,7 @@
           <p:cNvPr id="3" name="Content Placeholder 2">
             <a:extLst>
               <a:ext uri="{FF2B5EF4-FFF2-40B4-BE49-F238E27FC236}">
-                <a16:creationId xmlns:a16="http://schemas.microsoft.com/office/drawing/2014/main" xmlns="" id="{5994E6CE-5480-BC93-AF7C-A1E48D950EBD}"/>
+                <a16:creationId xmlns="" xmlns:a16="http://schemas.microsoft.com/office/drawing/2014/main" id="{5994E6CE-5480-BC93-AF7C-A1E48D950EBD}"/>
               </a:ext>
             </a:extLst>
           </p:cNvPr>
@@ -8970,504 +8910,6 @@
           <a:p>
             <a:r>
               <a:rPr lang="en-US" dirty="0" smtClean="0"/>
-              <a:t>Number of single rebuild O(N)</a:t>
-            </a:r>
-            <a:endParaRPr lang="en-US" dirty="0"/>
-          </a:p>
-        </p:txBody>
-      </p:sp>
-      <p:pic>
-        <p:nvPicPr>
-          <p:cNvPr id="4" name="Content Placeholder 3"/>
-          <p:cNvPicPr>
-            <a:picLocks noGrp="1" noChangeAspect="1"/>
-          </p:cNvPicPr>
-          <p:nvPr>
-            <p:ph idx="1"/>
-          </p:nvPr>
-        </p:nvPicPr>
-        <p:blipFill>
-          <a:blip r:embed="rId2">
-            <a:extLst>
-              <a:ext uri="{28A0092B-C50C-407E-A947-70E740481C1C}">
-                <a14:useLocalDpi xmlns:a14="http://schemas.microsoft.com/office/drawing/2010/main" val="0"/>
-              </a:ext>
-            </a:extLst>
-          </a:blip>
-          <a:stretch>
-            <a:fillRect/>
-          </a:stretch>
-        </p:blipFill>
-        <p:spPr>
-          <a:xfrm>
-            <a:off x="3251201" y="2084388"/>
-            <a:ext cx="5611811" cy="3367087"/>
-          </a:xfrm>
-        </p:spPr>
-      </p:pic>
-    </p:spTree>
-    <p:extLst>
-      <p:ext uri="{BB962C8B-B14F-4D97-AF65-F5344CB8AC3E}">
-        <p14:creationId xmlns:p14="http://schemas.microsoft.com/office/powerpoint/2010/main" val="3036846089"/>
-      </p:ext>
-    </p:extLst>
-  </p:cSld>
-  <p:clrMapOvr>
-    <a:masterClrMapping/>
-  </p:clrMapOvr>
-</p:sld>
-</file>
-
-<file path=ppt/slides/slide21.xml><?xml version="1.0" encoding="utf-8"?>
-<p:sld xmlns:a="http://schemas.openxmlformats.org/drawingml/2006/main" xmlns:r="http://schemas.openxmlformats.org/officeDocument/2006/relationships" xmlns:p="http://schemas.openxmlformats.org/presentationml/2006/main">
-  <p:cSld>
-    <p:spTree>
-      <p:nvGrpSpPr>
-        <p:cNvPr id="1" name=""/>
-        <p:cNvGrpSpPr/>
-        <p:nvPr/>
-      </p:nvGrpSpPr>
-      <p:grpSpPr>
-        <a:xfrm>
-          <a:off x="0" y="0"/>
-          <a:ext cx="0" cy="0"/>
-          <a:chOff x="0" y="0"/>
-          <a:chExt cx="0" cy="0"/>
-        </a:xfrm>
-      </p:grpSpPr>
-      <p:sp>
-        <p:nvSpPr>
-          <p:cNvPr id="2" name="Title 1"/>
-          <p:cNvSpPr>
-            <a:spLocks noGrp="1"/>
-          </p:cNvSpPr>
-          <p:nvPr>
-            <p:ph type="title"/>
-          </p:nvPr>
-        </p:nvSpPr>
-        <p:spPr/>
-        <p:txBody>
-          <a:bodyPr/>
-          <a:lstStyle/>
-          <a:p>
-            <a:r>
-              <a:rPr lang="en-US" dirty="0" smtClean="0"/>
-              <a:t>Single insert table size O(N)</a:t>
-            </a:r>
-            <a:endParaRPr lang="en-US" dirty="0"/>
-          </a:p>
-        </p:txBody>
-      </p:sp>
-      <p:pic>
-        <p:nvPicPr>
-          <p:cNvPr id="4" name="Content Placeholder 3"/>
-          <p:cNvPicPr>
-            <a:picLocks noGrp="1" noChangeAspect="1"/>
-          </p:cNvPicPr>
-          <p:nvPr>
-            <p:ph idx="1"/>
-          </p:nvPr>
-        </p:nvPicPr>
-        <p:blipFill>
-          <a:blip r:embed="rId2">
-            <a:extLst>
-              <a:ext uri="{28A0092B-C50C-407E-A947-70E740481C1C}">
-                <a14:useLocalDpi xmlns:a14="http://schemas.microsoft.com/office/drawing/2010/main" val="0"/>
-              </a:ext>
-            </a:extLst>
-          </a:blip>
-          <a:stretch>
-            <a:fillRect/>
-          </a:stretch>
-        </p:blipFill>
-        <p:spPr>
-          <a:xfrm>
-            <a:off x="3251201" y="2084388"/>
-            <a:ext cx="5611811" cy="3367087"/>
-          </a:xfrm>
-        </p:spPr>
-      </p:pic>
-    </p:spTree>
-    <p:extLst>
-      <p:ext uri="{BB962C8B-B14F-4D97-AF65-F5344CB8AC3E}">
-        <p14:creationId xmlns:p14="http://schemas.microsoft.com/office/powerpoint/2010/main" val="1590692308"/>
-      </p:ext>
-    </p:extLst>
-  </p:cSld>
-  <p:clrMapOvr>
-    <a:masterClrMapping/>
-  </p:clrMapOvr>
-</p:sld>
-</file>
-
-<file path=ppt/slides/slide22.xml><?xml version="1.0" encoding="utf-8"?>
-<p:sld xmlns:a="http://schemas.openxmlformats.org/drawingml/2006/main" xmlns:r="http://schemas.openxmlformats.org/officeDocument/2006/relationships" xmlns:p="http://schemas.openxmlformats.org/presentationml/2006/main">
-  <p:cSld>
-    <p:spTree>
-      <p:nvGrpSpPr>
-        <p:cNvPr id="1" name=""/>
-        <p:cNvGrpSpPr/>
-        <p:nvPr/>
-      </p:nvGrpSpPr>
-      <p:grpSpPr>
-        <a:xfrm>
-          <a:off x="0" y="0"/>
-          <a:ext cx="0" cy="0"/>
-          <a:chOff x="0" y="0"/>
-          <a:chExt cx="0" cy="0"/>
-        </a:xfrm>
-      </p:grpSpPr>
-      <p:sp>
-        <p:nvSpPr>
-          <p:cNvPr id="2" name="Title 1"/>
-          <p:cNvSpPr>
-            <a:spLocks noGrp="1"/>
-          </p:cNvSpPr>
-          <p:nvPr>
-            <p:ph type="title"/>
-          </p:nvPr>
-        </p:nvSpPr>
-        <p:spPr/>
-        <p:txBody>
-          <a:bodyPr/>
-          <a:lstStyle/>
-          <a:p>
-            <a:r>
-              <a:rPr lang="en-US" dirty="0" smtClean="0"/>
-              <a:t>Single time O(N)</a:t>
-            </a:r>
-            <a:endParaRPr lang="en-US" dirty="0"/>
-          </a:p>
-        </p:txBody>
-      </p:sp>
-      <p:pic>
-        <p:nvPicPr>
-          <p:cNvPr id="4" name="Content Placeholder 3"/>
-          <p:cNvPicPr>
-            <a:picLocks noGrp="1" noChangeAspect="1"/>
-          </p:cNvPicPr>
-          <p:nvPr>
-            <p:ph idx="1"/>
-          </p:nvPr>
-        </p:nvPicPr>
-        <p:blipFill>
-          <a:blip r:embed="rId2">
-            <a:extLst>
-              <a:ext uri="{28A0092B-C50C-407E-A947-70E740481C1C}">
-                <a14:useLocalDpi xmlns:a14="http://schemas.microsoft.com/office/drawing/2010/main" val="0"/>
-              </a:ext>
-            </a:extLst>
-          </a:blip>
-          <a:stretch>
-            <a:fillRect/>
-          </a:stretch>
-        </p:blipFill>
-        <p:spPr>
-          <a:xfrm>
-            <a:off x="3251201" y="2084388"/>
-            <a:ext cx="5611811" cy="3367087"/>
-          </a:xfrm>
-        </p:spPr>
-      </p:pic>
-    </p:spTree>
-    <p:extLst>
-      <p:ext uri="{BB962C8B-B14F-4D97-AF65-F5344CB8AC3E}">
-        <p14:creationId xmlns:p14="http://schemas.microsoft.com/office/powerpoint/2010/main" val="2979726573"/>
-      </p:ext>
-    </p:extLst>
-  </p:cSld>
-  <p:clrMapOvr>
-    <a:masterClrMapping/>
-  </p:clrMapOvr>
-</p:sld>
-</file>
-
-<file path=ppt/slides/slide23.xml><?xml version="1.0" encoding="utf-8"?>
-<p:sld xmlns:a="http://schemas.openxmlformats.org/drawingml/2006/main" xmlns:r="http://schemas.openxmlformats.org/officeDocument/2006/relationships" xmlns:p="http://schemas.openxmlformats.org/presentationml/2006/main">
-  <p:cSld>
-    <p:spTree>
-      <p:nvGrpSpPr>
-        <p:cNvPr id="1" name=""/>
-        <p:cNvGrpSpPr/>
-        <p:nvPr/>
-      </p:nvGrpSpPr>
-      <p:grpSpPr>
-        <a:xfrm>
-          <a:off x="0" y="0"/>
-          <a:ext cx="0" cy="0"/>
-          <a:chOff x="0" y="0"/>
-          <a:chExt cx="0" cy="0"/>
-        </a:xfrm>
-      </p:grpSpPr>
-      <p:sp>
-        <p:nvSpPr>
-          <p:cNvPr id="2" name="Title 1"/>
-          <p:cNvSpPr>
-            <a:spLocks noGrp="1"/>
-          </p:cNvSpPr>
-          <p:nvPr>
-            <p:ph type="title"/>
-          </p:nvPr>
-        </p:nvSpPr>
-        <p:spPr/>
-        <p:txBody>
-          <a:bodyPr/>
-          <a:lstStyle/>
-          <a:p>
-            <a:r>
-              <a:rPr lang="en-US" dirty="0" smtClean="0"/>
-              <a:t>Number of batch collision O(N^2)</a:t>
-            </a:r>
-            <a:endParaRPr lang="en-US" dirty="0"/>
-          </a:p>
-        </p:txBody>
-      </p:sp>
-      <p:pic>
-        <p:nvPicPr>
-          <p:cNvPr id="4" name="Content Placeholder 3"/>
-          <p:cNvPicPr>
-            <a:picLocks noGrp="1" noChangeAspect="1"/>
-          </p:cNvPicPr>
-          <p:nvPr>
-            <p:ph idx="1"/>
-          </p:nvPr>
-        </p:nvPicPr>
-        <p:blipFill>
-          <a:blip r:embed="rId2">
-            <a:extLst>
-              <a:ext uri="{28A0092B-C50C-407E-A947-70E740481C1C}">
-                <a14:useLocalDpi xmlns:a14="http://schemas.microsoft.com/office/drawing/2010/main" val="0"/>
-              </a:ext>
-            </a:extLst>
-          </a:blip>
-          <a:stretch>
-            <a:fillRect/>
-          </a:stretch>
-        </p:blipFill>
-        <p:spPr>
-          <a:xfrm>
-            <a:off x="3251201" y="2084388"/>
-            <a:ext cx="5611811" cy="3367087"/>
-          </a:xfrm>
-        </p:spPr>
-      </p:pic>
-    </p:spTree>
-    <p:extLst>
-      <p:ext uri="{BB962C8B-B14F-4D97-AF65-F5344CB8AC3E}">
-        <p14:creationId xmlns:p14="http://schemas.microsoft.com/office/powerpoint/2010/main" val="1078320559"/>
-      </p:ext>
-    </p:extLst>
-  </p:cSld>
-  <p:clrMapOvr>
-    <a:masterClrMapping/>
-  </p:clrMapOvr>
-</p:sld>
-</file>
-
-<file path=ppt/slides/slide24.xml><?xml version="1.0" encoding="utf-8"?>
-<p:sld xmlns:a="http://schemas.openxmlformats.org/drawingml/2006/main" xmlns:r="http://schemas.openxmlformats.org/officeDocument/2006/relationships" xmlns:p="http://schemas.openxmlformats.org/presentationml/2006/main">
-  <p:cSld>
-    <p:spTree>
-      <p:nvGrpSpPr>
-        <p:cNvPr id="1" name=""/>
-        <p:cNvGrpSpPr/>
-        <p:nvPr/>
-      </p:nvGrpSpPr>
-      <p:grpSpPr>
-        <a:xfrm>
-          <a:off x="0" y="0"/>
-          <a:ext cx="0" cy="0"/>
-          <a:chOff x="0" y="0"/>
-          <a:chExt cx="0" cy="0"/>
-        </a:xfrm>
-      </p:grpSpPr>
-      <p:sp>
-        <p:nvSpPr>
-          <p:cNvPr id="2" name="Title 1"/>
-          <p:cNvSpPr>
-            <a:spLocks noGrp="1"/>
-          </p:cNvSpPr>
-          <p:nvPr>
-            <p:ph type="title"/>
-          </p:nvPr>
-        </p:nvSpPr>
-        <p:spPr/>
-        <p:txBody>
-          <a:bodyPr/>
-          <a:lstStyle/>
-          <a:p>
-            <a:r>
-              <a:rPr lang="en-US" dirty="0" smtClean="0"/>
-              <a:t>Number of batch rebuild </a:t>
-            </a:r>
-            <a:r>
-              <a:rPr lang="en-US" dirty="0"/>
-              <a:t>O(N^2)</a:t>
-            </a:r>
-          </a:p>
-        </p:txBody>
-      </p:sp>
-      <p:pic>
-        <p:nvPicPr>
-          <p:cNvPr id="4" name="Content Placeholder 3"/>
-          <p:cNvPicPr>
-            <a:picLocks noGrp="1" noChangeAspect="1"/>
-          </p:cNvPicPr>
-          <p:nvPr>
-            <p:ph idx="1"/>
-          </p:nvPr>
-        </p:nvPicPr>
-        <p:blipFill>
-          <a:blip r:embed="rId2">
-            <a:extLst>
-              <a:ext uri="{28A0092B-C50C-407E-A947-70E740481C1C}">
-                <a14:useLocalDpi xmlns:a14="http://schemas.microsoft.com/office/drawing/2010/main" val="0"/>
-              </a:ext>
-            </a:extLst>
-          </a:blip>
-          <a:stretch>
-            <a:fillRect/>
-          </a:stretch>
-        </p:blipFill>
-        <p:spPr>
-          <a:xfrm>
-            <a:off x="3251201" y="2084388"/>
-            <a:ext cx="5611811" cy="3367087"/>
-          </a:xfrm>
-        </p:spPr>
-      </p:pic>
-    </p:spTree>
-    <p:extLst>
-      <p:ext uri="{BB962C8B-B14F-4D97-AF65-F5344CB8AC3E}">
-        <p14:creationId xmlns:p14="http://schemas.microsoft.com/office/powerpoint/2010/main" val="2906163297"/>
-      </p:ext>
-    </p:extLst>
-  </p:cSld>
-  <p:clrMapOvr>
-    <a:masterClrMapping/>
-  </p:clrMapOvr>
-</p:sld>
-</file>
-
-<file path=ppt/slides/slide25.xml><?xml version="1.0" encoding="utf-8"?>
-<p:sld xmlns:a="http://schemas.openxmlformats.org/drawingml/2006/main" xmlns:r="http://schemas.openxmlformats.org/officeDocument/2006/relationships" xmlns:p="http://schemas.openxmlformats.org/presentationml/2006/main">
-  <p:cSld>
-    <p:spTree>
-      <p:nvGrpSpPr>
-        <p:cNvPr id="1" name=""/>
-        <p:cNvGrpSpPr/>
-        <p:nvPr/>
-      </p:nvGrpSpPr>
-      <p:grpSpPr>
-        <a:xfrm>
-          <a:off x="0" y="0"/>
-          <a:ext cx="0" cy="0"/>
-          <a:chOff x="0" y="0"/>
-          <a:chExt cx="0" cy="0"/>
-        </a:xfrm>
-      </p:grpSpPr>
-      <p:sp>
-        <p:nvSpPr>
-          <p:cNvPr id="2" name="Title 1"/>
-          <p:cNvSpPr>
-            <a:spLocks noGrp="1"/>
-          </p:cNvSpPr>
-          <p:nvPr>
-            <p:ph type="title"/>
-          </p:nvPr>
-        </p:nvSpPr>
-        <p:spPr/>
-        <p:txBody>
-          <a:bodyPr/>
-          <a:lstStyle/>
-          <a:p>
-            <a:r>
-              <a:rPr lang="en-US" dirty="0" smtClean="0"/>
-              <a:t>Table batch space O(N^2</a:t>
-            </a:r>
-            <a:r>
-              <a:rPr lang="en-US" dirty="0"/>
-              <a:t>)</a:t>
-            </a:r>
-          </a:p>
-        </p:txBody>
-      </p:sp>
-      <p:pic>
-        <p:nvPicPr>
-          <p:cNvPr id="4" name="Content Placeholder 3"/>
-          <p:cNvPicPr>
-            <a:picLocks noGrp="1" noChangeAspect="1"/>
-          </p:cNvPicPr>
-          <p:nvPr>
-            <p:ph idx="1"/>
-          </p:nvPr>
-        </p:nvPicPr>
-        <p:blipFill>
-          <a:blip r:embed="rId2">
-            <a:extLst>
-              <a:ext uri="{28A0092B-C50C-407E-A947-70E740481C1C}">
-                <a14:useLocalDpi xmlns:a14="http://schemas.microsoft.com/office/drawing/2010/main" val="0"/>
-              </a:ext>
-            </a:extLst>
-          </a:blip>
-          <a:stretch>
-            <a:fillRect/>
-          </a:stretch>
-        </p:blipFill>
-        <p:spPr>
-          <a:xfrm>
-            <a:off x="3251201" y="2084388"/>
-            <a:ext cx="5611811" cy="3367087"/>
-          </a:xfrm>
-        </p:spPr>
-      </p:pic>
-    </p:spTree>
-    <p:extLst>
-      <p:ext uri="{BB962C8B-B14F-4D97-AF65-F5344CB8AC3E}">
-        <p14:creationId xmlns:p14="http://schemas.microsoft.com/office/powerpoint/2010/main" val="2292813564"/>
-      </p:ext>
-    </p:extLst>
-  </p:cSld>
-  <p:clrMapOvr>
-    <a:masterClrMapping/>
-  </p:clrMapOvr>
-</p:sld>
-</file>
-
-<file path=ppt/slides/slide26.xml><?xml version="1.0" encoding="utf-8"?>
-<p:sld xmlns:a="http://schemas.openxmlformats.org/drawingml/2006/main" xmlns:r="http://schemas.openxmlformats.org/officeDocument/2006/relationships" xmlns:p="http://schemas.openxmlformats.org/presentationml/2006/main">
-  <p:cSld>
-    <p:spTree>
-      <p:nvGrpSpPr>
-        <p:cNvPr id="1" name=""/>
-        <p:cNvGrpSpPr/>
-        <p:nvPr/>
-      </p:nvGrpSpPr>
-      <p:grpSpPr>
-        <a:xfrm>
-          <a:off x="0" y="0"/>
-          <a:ext cx="0" cy="0"/>
-          <a:chOff x="0" y="0"/>
-          <a:chExt cx="0" cy="0"/>
-        </a:xfrm>
-      </p:grpSpPr>
-      <p:sp>
-        <p:nvSpPr>
-          <p:cNvPr id="2" name="Title 1"/>
-          <p:cNvSpPr>
-            <a:spLocks noGrp="1"/>
-          </p:cNvSpPr>
-          <p:nvPr>
-            <p:ph type="title"/>
-          </p:nvPr>
-        </p:nvSpPr>
-        <p:spPr/>
-        <p:txBody>
-          <a:bodyPr/>
-          <a:lstStyle/>
-          <a:p>
-            <a:r>
-              <a:rPr lang="en-US" dirty="0" smtClean="0"/>
               <a:t>Batch time </a:t>
             </a:r>
             <a:r>
@@ -9519,7 +8961,7 @@
 </p:sld>
 </file>
 
-<file path=ppt/slides/slide27.xml><?xml version="1.0" encoding="utf-8"?>
+<file path=ppt/slides/slide21.xml><?xml version="1.0" encoding="utf-8"?>
 <p:sld xmlns:a="http://schemas.openxmlformats.org/drawingml/2006/main" xmlns:r="http://schemas.openxmlformats.org/officeDocument/2006/relationships" xmlns:p="http://schemas.openxmlformats.org/presentationml/2006/main">
   <p:cSld>
     <p:spTree>
@@ -9604,7 +9046,7 @@
 </p:sld>
 </file>
 
-<file path=ppt/slides/slide28.xml><?xml version="1.0" encoding="utf-8"?>
+<file path=ppt/slides/slide22.xml><?xml version="1.0" encoding="utf-8"?>
 <p:sld xmlns:a="http://schemas.openxmlformats.org/drawingml/2006/main" xmlns:r="http://schemas.openxmlformats.org/officeDocument/2006/relationships" xmlns:p="http://schemas.openxmlformats.org/presentationml/2006/main">
   <p:cSld>
     <p:spTree>
@@ -9689,7 +9131,7 @@
 </p:sld>
 </file>
 
-<file path=ppt/slides/slide29.xml><?xml version="1.0" encoding="utf-8"?>
+<file path=ppt/slides/slide23.xml><?xml version="1.0" encoding="utf-8"?>
 <p:sld xmlns:a="http://schemas.openxmlformats.org/drawingml/2006/main" xmlns:r="http://schemas.openxmlformats.org/officeDocument/2006/relationships" xmlns:p="http://schemas.openxmlformats.org/presentationml/2006/main">
   <p:cSld>
     <p:spTree>
@@ -9764,7 +9206,7 @@
           <p:cNvPr id="2" name="Title 1">
             <a:extLst>
               <a:ext uri="{FF2B5EF4-FFF2-40B4-BE49-F238E27FC236}">
-                <a16:creationId xmlns:a16="http://schemas.microsoft.com/office/drawing/2014/main" xmlns="" id="{2FFEAD38-D8B7-630A-FB57-8EDEDD41A41E}"/>
+                <a16:creationId xmlns="" xmlns:a16="http://schemas.microsoft.com/office/drawing/2014/main" id="{2FFEAD38-D8B7-630A-FB57-8EDEDD41A41E}"/>
               </a:ext>
             </a:extLst>
           </p:cNvPr>
@@ -9792,7 +9234,7 @@
           <p:cNvPr id="3" name="Content Placeholder 2">
             <a:extLst>
               <a:ext uri="{FF2B5EF4-FFF2-40B4-BE49-F238E27FC236}">
-                <a16:creationId xmlns:a16="http://schemas.microsoft.com/office/drawing/2014/main" xmlns="" id="{C63523B3-300F-DF75-BDEE-4B9AA8A98F71}"/>
+                <a16:creationId xmlns="" xmlns:a16="http://schemas.microsoft.com/office/drawing/2014/main" id="{C63523B3-300F-DF75-BDEE-4B9AA8A98F71}"/>
               </a:ext>
             </a:extLst>
           </p:cNvPr>
@@ -10000,7 +9442,7 @@
           <p:cNvPr id="2" name="Title 1">
             <a:extLst>
               <a:ext uri="{FF2B5EF4-FFF2-40B4-BE49-F238E27FC236}">
-                <a16:creationId xmlns:a16="http://schemas.microsoft.com/office/drawing/2014/main" xmlns="" id="{2FFEAD38-D8B7-630A-FB57-8EDEDD41A41E}"/>
+                <a16:creationId xmlns="" xmlns:a16="http://schemas.microsoft.com/office/drawing/2014/main" id="{2FFEAD38-D8B7-630A-FB57-8EDEDD41A41E}"/>
               </a:ext>
             </a:extLst>
           </p:cNvPr>
@@ -10028,7 +9470,7 @@
           <p:cNvPr id="3" name="Content Placeholder 2">
             <a:extLst>
               <a:ext uri="{FF2B5EF4-FFF2-40B4-BE49-F238E27FC236}">
-                <a16:creationId xmlns:a16="http://schemas.microsoft.com/office/drawing/2014/main" xmlns="" id="{C63523B3-300F-DF75-BDEE-4B9AA8A98F71}"/>
+                <a16:creationId xmlns="" xmlns:a16="http://schemas.microsoft.com/office/drawing/2014/main" id="{C63523B3-300F-DF75-BDEE-4B9AA8A98F71}"/>
               </a:ext>
             </a:extLst>
           </p:cNvPr>
@@ -10208,7 +9650,7 @@
           <p:cNvPr id="2" name="Title 1">
             <a:extLst>
               <a:ext uri="{FF2B5EF4-FFF2-40B4-BE49-F238E27FC236}">
-                <a16:creationId xmlns:a16="http://schemas.microsoft.com/office/drawing/2014/main" xmlns="" id="{2FFEAD38-D8B7-630A-FB57-8EDEDD41A41E}"/>
+                <a16:creationId xmlns="" xmlns:a16="http://schemas.microsoft.com/office/drawing/2014/main" id="{2FFEAD38-D8B7-630A-FB57-8EDEDD41A41E}"/>
               </a:ext>
             </a:extLst>
           </p:cNvPr>
@@ -10236,7 +9678,7 @@
           <p:cNvPr id="3" name="Content Placeholder 2">
             <a:extLst>
               <a:ext uri="{FF2B5EF4-FFF2-40B4-BE49-F238E27FC236}">
-                <a16:creationId xmlns:a16="http://schemas.microsoft.com/office/drawing/2014/main" xmlns="" id="{C63523B3-300F-DF75-BDEE-4B9AA8A98F71}"/>
+                <a16:creationId xmlns="" xmlns:a16="http://schemas.microsoft.com/office/drawing/2014/main" id="{C63523B3-300F-DF75-BDEE-4B9AA8A98F71}"/>
               </a:ext>
             </a:extLst>
           </p:cNvPr>
@@ -10332,7 +9774,7 @@
           <p:cNvPr id="2" name="Title 1">
             <a:extLst>
               <a:ext uri="{FF2B5EF4-FFF2-40B4-BE49-F238E27FC236}">
-                <a16:creationId xmlns:a16="http://schemas.microsoft.com/office/drawing/2014/main" xmlns="" id="{2FFEAD38-D8B7-630A-FB57-8EDEDD41A41E}"/>
+                <a16:creationId xmlns="" xmlns:a16="http://schemas.microsoft.com/office/drawing/2014/main" id="{2FFEAD38-D8B7-630A-FB57-8EDEDD41A41E}"/>
               </a:ext>
             </a:extLst>
           </p:cNvPr>
@@ -10360,7 +9802,7 @@
           <p:cNvPr id="3" name="Content Placeholder 2">
             <a:extLst>
               <a:ext uri="{FF2B5EF4-FFF2-40B4-BE49-F238E27FC236}">
-                <a16:creationId xmlns:a16="http://schemas.microsoft.com/office/drawing/2014/main" xmlns="" id="{C63523B3-300F-DF75-BDEE-4B9AA8A98F71}"/>
+                <a16:creationId xmlns="" xmlns:a16="http://schemas.microsoft.com/office/drawing/2014/main" id="{C63523B3-300F-DF75-BDEE-4B9AA8A98F71}"/>
               </a:ext>
             </a:extLst>
           </p:cNvPr>
@@ -10443,7 +9885,7 @@
           <p:cNvPr id="2" name="Title 1">
             <a:extLst>
               <a:ext uri="{FF2B5EF4-FFF2-40B4-BE49-F238E27FC236}">
-                <a16:creationId xmlns:a16="http://schemas.microsoft.com/office/drawing/2014/main" xmlns="" id="{2FFEAD38-D8B7-630A-FB57-8EDEDD41A41E}"/>
+                <a16:creationId xmlns="" xmlns:a16="http://schemas.microsoft.com/office/drawing/2014/main" id="{2FFEAD38-D8B7-630A-FB57-8EDEDD41A41E}"/>
               </a:ext>
             </a:extLst>
           </p:cNvPr>
@@ -10471,7 +9913,7 @@
           <p:cNvPr id="3" name="Content Placeholder 2">
             <a:extLst>
               <a:ext uri="{FF2B5EF4-FFF2-40B4-BE49-F238E27FC236}">
-                <a16:creationId xmlns:a16="http://schemas.microsoft.com/office/drawing/2014/main" xmlns="" id="{C63523B3-300F-DF75-BDEE-4B9AA8A98F71}"/>
+                <a16:creationId xmlns="" xmlns:a16="http://schemas.microsoft.com/office/drawing/2014/main" id="{C63523B3-300F-DF75-BDEE-4B9AA8A98F71}"/>
               </a:ext>
             </a:extLst>
           </p:cNvPr>
@@ -10569,7 +10011,7 @@
           <p:cNvPr id="2" name="Title 1">
             <a:extLst>
               <a:ext uri="{FF2B5EF4-FFF2-40B4-BE49-F238E27FC236}">
-                <a16:creationId xmlns:a16="http://schemas.microsoft.com/office/drawing/2014/main" xmlns="" id="{2FFEAD38-D8B7-630A-FB57-8EDEDD41A41E}"/>
+                <a16:creationId xmlns="" xmlns:a16="http://schemas.microsoft.com/office/drawing/2014/main" id="{2FFEAD38-D8B7-630A-FB57-8EDEDD41A41E}"/>
               </a:ext>
             </a:extLst>
           </p:cNvPr>
@@ -10597,7 +10039,7 @@
           <p:cNvPr id="3" name="Content Placeholder 2">
             <a:extLst>
               <a:ext uri="{FF2B5EF4-FFF2-40B4-BE49-F238E27FC236}">
-                <a16:creationId xmlns:a16="http://schemas.microsoft.com/office/drawing/2014/main" xmlns="" id="{C63523B3-300F-DF75-BDEE-4B9AA8A98F71}"/>
+                <a16:creationId xmlns="" xmlns:a16="http://schemas.microsoft.com/office/drawing/2014/main" id="{C63523B3-300F-DF75-BDEE-4B9AA8A98F71}"/>
               </a:ext>
             </a:extLst>
           </p:cNvPr>
@@ -10671,13 +10113,7 @@
       </p:grpSpPr>
       <p:sp>
         <p:nvSpPr>
-          <p:cNvPr id="2" name="Title 1">
-            <a:extLst>
-              <a:ext uri="{FF2B5EF4-FFF2-40B4-BE49-F238E27FC236}">
-                <a16:creationId xmlns:a16="http://schemas.microsoft.com/office/drawing/2014/main" xmlns="" id="{05F66F9C-A8DA-CF01-FDDB-134A26B63650}"/>
-              </a:ext>
-            </a:extLst>
-          </p:cNvPr>
+          <p:cNvPr id="2" name="Title 1"/>
           <p:cNvSpPr>
             <a:spLocks noGrp="1"/>
           </p:cNvSpPr>
@@ -10685,34 +10121,22 @@
             <p:ph type="title"/>
           </p:nvPr>
         </p:nvSpPr>
-        <p:spPr>
-          <a:xfrm>
-            <a:off x="1167492" y="136526"/>
-            <a:ext cx="9779183" cy="1570038"/>
-          </a:xfrm>
-        </p:spPr>
+        <p:spPr/>
         <p:txBody>
-          <a:bodyPr anchor="b">
-            <a:normAutofit/>
-          </a:bodyPr>
+          <a:bodyPr/>
           <a:lstStyle/>
           <a:p>
             <a:r>
-              <a:rPr lang="en-US" dirty="0"/>
-              <a:t>Average collisions comparisons</a:t>
-            </a:r>
+              <a:rPr lang="en-US" dirty="0" smtClean="0"/>
+              <a:t>Number of batch Collision O(N)</a:t>
+            </a:r>
+            <a:endParaRPr lang="en-US" dirty="0"/>
           </a:p>
         </p:txBody>
       </p:sp>
       <p:pic>
         <p:nvPicPr>
-          <p:cNvPr id="5" name="Content Placeholder 4" descr="A graph with colorful lines&#10;&#10;Description automatically generated">
-            <a:extLst>
-              <a:ext uri="{FF2B5EF4-FFF2-40B4-BE49-F238E27FC236}">
-                <a16:creationId xmlns:a16="http://schemas.microsoft.com/office/drawing/2014/main" xmlns="" id="{EB062BEC-7CE5-C9FF-C1E5-331439B22793}"/>
-              </a:ext>
-            </a:extLst>
-          </p:cNvPr>
+          <p:cNvPr id="4" name="Content Placeholder 3"/>
           <p:cNvPicPr>
             <a:picLocks noGrp="1" noChangeAspect="1"/>
           </p:cNvPicPr>
@@ -10721,23 +10145,28 @@
           </p:nvPr>
         </p:nvPicPr>
         <p:blipFill>
-          <a:blip r:embed="rId2"/>
+          <a:blip r:embed="rId2">
+            <a:extLst>
+              <a:ext uri="{28A0092B-C50C-407E-A947-70E740481C1C}">
+                <a14:useLocalDpi xmlns:a14="http://schemas.microsoft.com/office/drawing/2010/main" val="0"/>
+              </a:ext>
+            </a:extLst>
+          </a:blip>
           <a:stretch>
             <a:fillRect/>
           </a:stretch>
         </p:blipFill>
         <p:spPr>
           <a:xfrm>
-            <a:off x="1917699" y="2066359"/>
-            <a:ext cx="8356601" cy="4011168"/>
+            <a:off x="2553146" y="2084388"/>
+            <a:ext cx="7007920" cy="3367087"/>
           </a:xfrm>
-          <a:noFill/>
         </p:spPr>
       </p:pic>
     </p:spTree>
     <p:extLst>
       <p:ext uri="{BB962C8B-B14F-4D97-AF65-F5344CB8AC3E}">
-        <p14:creationId xmlns:p14="http://schemas.microsoft.com/office/powerpoint/2010/main" val="4185501803"/>
+        <p14:creationId xmlns:p14="http://schemas.microsoft.com/office/powerpoint/2010/main" val="1219512510"/>
       </p:ext>
     </p:extLst>
   </p:cSld>
@@ -10942,7 +10371,7 @@
   <a:extraClrSchemeLst/>
   <a:extLst>
     <a:ext uri="{05A4C25C-085E-4340-85A3-A5531E510DB2}">
-      <thm15:themeFamily xmlns:thm15="http://schemas.microsoft.com/office/thememl/2012/main" xmlns="" name="TM45331398_Win32_SL_V13" id="{C59E605D-C281-4A06-BDA0-E97A35AC3AA8}" vid="{25D1D206-DA25-4050-926A-BD6D3A1B506F}"/>
+      <thm15:themeFamily xmlns="" xmlns:thm15="http://schemas.microsoft.com/office/thememl/2012/main" name="TM45331398_Win32_SL_V13" id="{C59E605D-C281-4A06-BDA0-E97A35AC3AA8}" vid="{25D1D206-DA25-4050-926A-BD6D3A1B506F}"/>
     </a:ext>
   </a:extLst>
 </a:theme>
@@ -11237,7 +10666,7 @@
   <a:extraClrSchemeLst/>
   <a:extLst>
     <a:ext uri="{05A4C25C-085E-4340-85A3-A5531E510DB2}">
-      <thm15:themeFamily xmlns:thm15="http://schemas.microsoft.com/office/thememl/2012/main" xmlns="" name="Office Theme" id="{62F939B6-93AF-4DB8-9C6B-D6C7DFDC589F}" vid="{4A3C46E8-61CC-4603-A589-7422A47A8E4A}"/>
+      <thm15:themeFamily xmlns="" xmlns:thm15="http://schemas.microsoft.com/office/thememl/2012/main" name="Office Theme" id="{62F939B6-93AF-4DB8-9C6B-D6C7DFDC589F}" vid="{4A3C46E8-61CC-4603-A589-7422A47A8E4A}"/>
     </a:ext>
   </a:extLst>
 </a:theme>
@@ -11532,13 +10961,42 @@
   <a:extraClrSchemeLst/>
   <a:extLst>
     <a:ext uri="{05A4C25C-085E-4340-85A3-A5531E510DB2}">
-      <thm15:themeFamily xmlns:thm15="http://schemas.microsoft.com/office/thememl/2012/main" xmlns="" name="Office Theme" id="{62F939B6-93AF-4DB8-9C6B-D6C7DFDC589F}" vid="{4A3C46E8-61CC-4603-A589-7422A47A8E4A}"/>
+      <thm15:themeFamily xmlns="" xmlns:thm15="http://schemas.microsoft.com/office/thememl/2012/main" name="Office Theme" id="{62F939B6-93AF-4DB8-9C6B-D6C7DFDC589F}" vid="{4A3C46E8-61CC-4603-A589-7422A47A8E4A}"/>
     </a:ext>
   </a:extLst>
 </a:theme>
 </file>
 
 <file path=customXml/item1.xml><?xml version="1.0" encoding="utf-8"?>
+<p:properties xmlns:p="http://schemas.microsoft.com/office/2006/metadata/properties" xmlns:xsi="http://www.w3.org/2001/XMLSchema-instance" xmlns:pc="http://schemas.microsoft.com/office/infopath/2007/PartnerControls">
+  <documentManagement>
+    <_ip_UnifiedCompliancePolicyUIAction xmlns="http://schemas.microsoft.com/sharepoint/v3" xsi:nil="true"/>
+    <Image xmlns="71af3243-3dd4-4a8d-8c0d-dd76da1f02a5">
+      <Url xsi:nil="true"/>
+      <Description xsi:nil="true"/>
+    </Image>
+    <Status xmlns="71af3243-3dd4-4a8d-8c0d-dd76da1f02a5">Not started</Status>
+    <Background xmlns="71af3243-3dd4-4a8d-8c0d-dd76da1f02a5">false</Background>
+    <_ip_UnifiedCompliancePolicyProperties xmlns="http://schemas.microsoft.com/sharepoint/v3" xsi:nil="true"/>
+    <ImageTagsTaxHTField xmlns="71af3243-3dd4-4a8d-8c0d-dd76da1f02a5">
+      <Terms xmlns="http://schemas.microsoft.com/office/infopath/2007/PartnerControls"/>
+    </ImageTagsTaxHTField>
+    <TaxCatchAll xmlns="230e9df3-be65-4c73-a93b-d1236ebd677e" xsi:nil="true"/>
+    <MediaServiceKeyPoints xmlns="71af3243-3dd4-4a8d-8c0d-dd76da1f02a5" xsi:nil="true"/>
+  </documentManagement>
+</p:properties>
+</file>
+
+<file path=customXml/item2.xml><?xml version="1.0" encoding="utf-8"?>
+<?mso-contentType ?>
+<FormTemplates xmlns="http://schemas.microsoft.com/sharepoint/v3/contenttype/forms">
+  <Display>DocumentLibraryForm</Display>
+  <Edit>DocumentLibraryForm</Edit>
+  <New>DocumentLibraryForm</New>
+</FormTemplates>
+</file>
+
+<file path=customXml/item3.xml><?xml version="1.0" encoding="utf-8"?>
 <ct:contentTypeSchema xmlns:ct="http://schemas.microsoft.com/office/2006/metadata/contentType" xmlns:ma="http://schemas.microsoft.com/office/2006/metadata/properties/metaAttributes" ct:_="" ma:_="" ma:contentTypeName="Document" ma:contentTypeID="0x01010079F111ED35F8CC479449609E8A0923A6" ma:contentTypeVersion="28" ma:contentTypeDescription="Create a new document." ma:contentTypeScope="" ma:versionID="60f5a4f2d2b0abadcf532d48ebf9cb71">
   <xsd:schema xmlns:xsd="http://www.w3.org/2001/XMLSchema" xmlns:xs="http://www.w3.org/2001/XMLSchema" xmlns:p="http://schemas.microsoft.com/office/2006/metadata/properties" xmlns:ns1="http://schemas.microsoft.com/sharepoint/v3" xmlns:ns2="71af3243-3dd4-4a8d-8c0d-dd76da1f02a5" xmlns:ns3="16c05727-aa75-4e4a-9b5f-8a80a1165891" xmlns:ns4="230e9df3-be65-4c73-a93b-d1236ebd677e" targetNamespace="http://schemas.microsoft.com/office/2006/metadata/properties" ma:root="true" ma:fieldsID="7dd78129e6a1811f84807ad11c651531" ns1:_="" ns2:_="" ns3:_="" ns4:_="">
     <xsd:import namespace="http://schemas.microsoft.com/sharepoint/v3"/>
@@ -11850,36 +11308,27 @@
 </ct:contentTypeSchema>
 </file>
 
-<file path=customXml/item2.xml><?xml version="1.0" encoding="utf-8"?>
-<?mso-contentType ?>
-<FormTemplates xmlns="http://schemas.microsoft.com/sharepoint/v3/contenttype/forms">
-  <Display>DocumentLibraryForm</Display>
-  <Edit>DocumentLibraryForm</Edit>
-  <New>DocumentLibraryForm</New>
-</FormTemplates>
+<file path=customXml/itemProps1.xml><?xml version="1.0" encoding="utf-8"?>
+<ds:datastoreItem xmlns:ds="http://schemas.openxmlformats.org/officeDocument/2006/customXml" ds:itemID="{61E98C35-9ECE-4425-BCBA-00E118C705CE}">
+  <ds:schemaRefs>
+    <ds:schemaRef ds:uri="http://schemas.microsoft.com/office/2006/metadata/properties"/>
+    <ds:schemaRef ds:uri="http://schemas.microsoft.com/office/infopath/2007/PartnerControls"/>
+    <ds:schemaRef ds:uri="http://schemas.microsoft.com/sharepoint/v3"/>
+    <ds:schemaRef ds:uri="71af3243-3dd4-4a8d-8c0d-dd76da1f02a5"/>
+    <ds:schemaRef ds:uri="230e9df3-be65-4c73-a93b-d1236ebd677e"/>
+  </ds:schemaRefs>
+</ds:datastoreItem>
 </file>
 
-<file path=customXml/item3.xml><?xml version="1.0" encoding="utf-8"?>
-<p:properties xmlns:p="http://schemas.microsoft.com/office/2006/metadata/properties" xmlns:xsi="http://www.w3.org/2001/XMLSchema-instance" xmlns:pc="http://schemas.microsoft.com/office/infopath/2007/PartnerControls">
-  <documentManagement>
-    <_ip_UnifiedCompliancePolicyUIAction xmlns="http://schemas.microsoft.com/sharepoint/v3" xsi:nil="true"/>
-    <Image xmlns="71af3243-3dd4-4a8d-8c0d-dd76da1f02a5">
-      <Url xsi:nil="true"/>
-      <Description xsi:nil="true"/>
-    </Image>
-    <Status xmlns="71af3243-3dd4-4a8d-8c0d-dd76da1f02a5">Not started</Status>
-    <Background xmlns="71af3243-3dd4-4a8d-8c0d-dd76da1f02a5">false</Background>
-    <_ip_UnifiedCompliancePolicyProperties xmlns="http://schemas.microsoft.com/sharepoint/v3" xsi:nil="true"/>
-    <ImageTagsTaxHTField xmlns="71af3243-3dd4-4a8d-8c0d-dd76da1f02a5">
-      <Terms xmlns="http://schemas.microsoft.com/office/infopath/2007/PartnerControls"/>
-    </ImageTagsTaxHTField>
-    <TaxCatchAll xmlns="230e9df3-be65-4c73-a93b-d1236ebd677e" xsi:nil="true"/>
-    <MediaServiceKeyPoints xmlns="71af3243-3dd4-4a8d-8c0d-dd76da1f02a5" xsi:nil="true"/>
-  </documentManagement>
-</p:properties>
+<file path=customXml/itemProps2.xml><?xml version="1.0" encoding="utf-8"?>
+<ds:datastoreItem xmlns:ds="http://schemas.openxmlformats.org/officeDocument/2006/customXml" ds:itemID="{45A8381C-73EB-48EA-B45F-7B7C8C7DF409}">
+  <ds:schemaRefs>
+    <ds:schemaRef ds:uri="http://schemas.microsoft.com/sharepoint/v3/contenttype/forms"/>
+  </ds:schemaRefs>
+</ds:datastoreItem>
 </file>
 
-<file path=customXml/itemProps1.xml><?xml version="1.0" encoding="utf-8"?>
+<file path=customXml/itemProps3.xml><?xml version="1.0" encoding="utf-8"?>
 <ds:datastoreItem xmlns:ds="http://schemas.openxmlformats.org/officeDocument/2006/customXml" ds:itemID="{5AA6A711-2C3F-4EC0-B88B-62D740851176}">
   <ds:schemaRefs>
     <ds:schemaRef ds:uri="http://schemas.microsoft.com/office/2006/metadata/contentType"/>
@@ -11900,26 +11349,6 @@
 </ds:datastoreItem>
 </file>
 
-<file path=customXml/itemProps2.xml><?xml version="1.0" encoding="utf-8"?>
-<ds:datastoreItem xmlns:ds="http://schemas.openxmlformats.org/officeDocument/2006/customXml" ds:itemID="{45A8381C-73EB-48EA-B45F-7B7C8C7DF409}">
-  <ds:schemaRefs>
-    <ds:schemaRef ds:uri="http://schemas.microsoft.com/sharepoint/v3/contenttype/forms"/>
-  </ds:schemaRefs>
-</ds:datastoreItem>
-</file>
-
-<file path=customXml/itemProps3.xml><?xml version="1.0" encoding="utf-8"?>
-<ds:datastoreItem xmlns:ds="http://schemas.openxmlformats.org/officeDocument/2006/customXml" ds:itemID="{61E98C35-9ECE-4425-BCBA-00E118C705CE}">
-  <ds:schemaRefs>
-    <ds:schemaRef ds:uri="http://schemas.microsoft.com/office/2006/metadata/properties"/>
-    <ds:schemaRef ds:uri="http://schemas.microsoft.com/office/infopath/2007/PartnerControls"/>
-    <ds:schemaRef ds:uri="http://schemas.microsoft.com/sharepoint/v3"/>
-    <ds:schemaRef ds:uri="71af3243-3dd4-4a8d-8c0d-dd76da1f02a5"/>
-    <ds:schemaRef ds:uri="230e9df3-be65-4c73-a93b-d1236ebd677e"/>
-  </ds:schemaRefs>
-</ds:datastoreItem>
-</file>
-
 <file path=docMetadata/LabelInfo.xml><?xml version="1.0" encoding="utf-8"?>
 <clbl:labelList xmlns:clbl="http://schemas.microsoft.com/office/2020/mipLabelMetadata"/>
 </file>